--- a/ML/HandsOn/05/05_서포트벡터머신.pptx
+++ b/ML/HandsOn/05/05_서포트벡터머신.pptx
@@ -9,6 +9,8 @@
     <p:sldId id="257" r:id="rId3"/>
     <p:sldId id="258" r:id="rId4"/>
     <p:sldId id="259" r:id="rId5"/>
+    <p:sldId id="260" r:id="rId6"/>
+    <p:sldId id="261" r:id="rId7"/>
   </p:sldIdLst>
   <p:sldSz cx="12192000" cy="6858000"/>
   <p:notesSz cx="6858000" cy="9144000"/>
@@ -107,6 +109,11 @@
       </a:defRPr>
     </a:lvl9pPr>
   </p:defaultTextStyle>
+  <p:extLst>
+    <p:ext uri="{EFAFB233-063F-42B5-8137-9DF3F51BA10A}">
+      <p15:sldGuideLst xmlns:p15="http://schemas.microsoft.com/office/powerpoint/2012/main"/>
+    </p:ext>
+  </p:extLst>
 </p:presentation>
 </file>
 
@@ -257,7 +264,7 @@
           <a:p>
             <a:fld id="{D02D7059-2B68-424B-89E1-0601A048B6B8}" type="datetimeFigureOut">
               <a:rPr lang="ko-KR" altLang="en-US" smtClean="0"/>
-              <a:t>2021-07-25</a:t>
+              <a:t>2021-08-01</a:t>
             </a:fld>
             <a:endParaRPr lang="ko-KR" altLang="en-US"/>
           </a:p>
@@ -455,7 +462,7 @@
           <a:p>
             <a:fld id="{D02D7059-2B68-424B-89E1-0601A048B6B8}" type="datetimeFigureOut">
               <a:rPr lang="ko-KR" altLang="en-US" smtClean="0"/>
-              <a:t>2021-07-25</a:t>
+              <a:t>2021-08-01</a:t>
             </a:fld>
             <a:endParaRPr lang="ko-KR" altLang="en-US"/>
           </a:p>
@@ -663,7 +670,7 @@
           <a:p>
             <a:fld id="{D02D7059-2B68-424B-89E1-0601A048B6B8}" type="datetimeFigureOut">
               <a:rPr lang="ko-KR" altLang="en-US" smtClean="0"/>
-              <a:t>2021-07-25</a:t>
+              <a:t>2021-08-01</a:t>
             </a:fld>
             <a:endParaRPr lang="ko-KR" altLang="en-US"/>
           </a:p>
@@ -861,7 +868,7 @@
           <a:p>
             <a:fld id="{D02D7059-2B68-424B-89E1-0601A048B6B8}" type="datetimeFigureOut">
               <a:rPr lang="ko-KR" altLang="en-US" smtClean="0"/>
-              <a:t>2021-07-25</a:t>
+              <a:t>2021-08-01</a:t>
             </a:fld>
             <a:endParaRPr lang="ko-KR" altLang="en-US"/>
           </a:p>
@@ -1136,7 +1143,7 @@
           <a:p>
             <a:fld id="{D02D7059-2B68-424B-89E1-0601A048B6B8}" type="datetimeFigureOut">
               <a:rPr lang="ko-KR" altLang="en-US" smtClean="0"/>
-              <a:t>2021-07-25</a:t>
+              <a:t>2021-08-01</a:t>
             </a:fld>
             <a:endParaRPr lang="ko-KR" altLang="en-US"/>
           </a:p>
@@ -1401,7 +1408,7 @@
           <a:p>
             <a:fld id="{D02D7059-2B68-424B-89E1-0601A048B6B8}" type="datetimeFigureOut">
               <a:rPr lang="ko-KR" altLang="en-US" smtClean="0"/>
-              <a:t>2021-07-25</a:t>
+              <a:t>2021-08-01</a:t>
             </a:fld>
             <a:endParaRPr lang="ko-KR" altLang="en-US"/>
           </a:p>
@@ -1813,7 +1820,7 @@
           <a:p>
             <a:fld id="{D02D7059-2B68-424B-89E1-0601A048B6B8}" type="datetimeFigureOut">
               <a:rPr lang="ko-KR" altLang="en-US" smtClean="0"/>
-              <a:t>2021-07-25</a:t>
+              <a:t>2021-08-01</a:t>
             </a:fld>
             <a:endParaRPr lang="ko-KR" altLang="en-US"/>
           </a:p>
@@ -1954,7 +1961,7 @@
           <a:p>
             <a:fld id="{D02D7059-2B68-424B-89E1-0601A048B6B8}" type="datetimeFigureOut">
               <a:rPr lang="ko-KR" altLang="en-US" smtClean="0"/>
-              <a:t>2021-07-25</a:t>
+              <a:t>2021-08-01</a:t>
             </a:fld>
             <a:endParaRPr lang="ko-KR" altLang="en-US"/>
           </a:p>
@@ -2067,7 +2074,7 @@
           <a:p>
             <a:fld id="{D02D7059-2B68-424B-89E1-0601A048B6B8}" type="datetimeFigureOut">
               <a:rPr lang="ko-KR" altLang="en-US" smtClean="0"/>
-              <a:t>2021-07-25</a:t>
+              <a:t>2021-08-01</a:t>
             </a:fld>
             <a:endParaRPr lang="ko-KR" altLang="en-US"/>
           </a:p>
@@ -2378,7 +2385,7 @@
           <a:p>
             <a:fld id="{D02D7059-2B68-424B-89E1-0601A048B6B8}" type="datetimeFigureOut">
               <a:rPr lang="ko-KR" altLang="en-US" smtClean="0"/>
-              <a:t>2021-07-25</a:t>
+              <a:t>2021-08-01</a:t>
             </a:fld>
             <a:endParaRPr lang="ko-KR" altLang="en-US"/>
           </a:p>
@@ -2666,7 +2673,7 @@
           <a:p>
             <a:fld id="{D02D7059-2B68-424B-89E1-0601A048B6B8}" type="datetimeFigureOut">
               <a:rPr lang="ko-KR" altLang="en-US" smtClean="0"/>
-              <a:t>2021-07-25</a:t>
+              <a:t>2021-08-01</a:t>
             </a:fld>
             <a:endParaRPr lang="ko-KR" altLang="en-US"/>
           </a:p>
@@ -2907,7 +2914,7 @@
           <a:p>
             <a:fld id="{D02D7059-2B68-424B-89E1-0601A048B6B8}" type="datetimeFigureOut">
               <a:rPr lang="ko-KR" altLang="en-US" smtClean="0"/>
-              <a:t>2021-07-25</a:t>
+              <a:t>2021-08-01</a:t>
             </a:fld>
             <a:endParaRPr lang="ko-KR" altLang="en-US"/>
           </a:p>
@@ -3504,16 +3511,28 @@
               <a:buChar char="§"/>
             </a:pPr>
             <a:r>
+              <a:rPr lang="ko-KR" altLang="en-US" sz="1400" b="1" dirty="0">
+                <a:solidFill>
+                  <a:srgbClr val="C00000"/>
+                </a:solidFill>
+              </a:rPr>
+              <a:t>서포트 벡터</a:t>
+            </a:r>
+            <a:r>
+              <a:rPr lang="en-US" altLang="ko-KR" sz="1400" b="1" dirty="0">
+                <a:solidFill>
+                  <a:srgbClr val="C00000"/>
+                </a:solidFill>
+              </a:rPr>
+              <a:t> </a:t>
+            </a:r>
+            <a:r>
+              <a:rPr lang="en-US" altLang="ko-KR" sz="1400" dirty="0"/>
+              <a:t>(Support Vector) : </a:t>
+            </a:r>
+            <a:r>
               <a:rPr lang="ko-KR" altLang="en-US" sz="1400" dirty="0"/>
-              <a:t>서포트 벡터</a:t>
-            </a:r>
-            <a:r>
-              <a:rPr lang="en-US" altLang="ko-KR" sz="1400" dirty="0"/>
-              <a:t> (Support Vector) : </a:t>
-            </a:r>
-            <a:r>
-              <a:rPr lang="ko-KR" altLang="en-US" sz="1400" dirty="0"/>
-              <a:t>결정 경계에 위치한 샘플</a:t>
+              <a:t>경계에 위치한 샘플</a:t>
             </a:r>
             <a:endParaRPr lang="en-US" altLang="ko-KR" sz="1400" dirty="0"/>
           </a:p>
@@ -3604,7 +3623,7 @@
           </p:nvSpPr>
           <p:spPr>
             <a:xfrm>
-              <a:off x="2057400" y="3240834"/>
+              <a:off x="1588401" y="3240834"/>
               <a:ext cx="900000" cy="276999"/>
             </a:xfrm>
             <a:prstGeom prst="rect">
@@ -3620,43 +3639,7 @@
             <a:p>
               <a:pPr algn="ctr"/>
               <a:r>
-                <a:rPr lang="ko-KR" altLang="en-US" sz="1200"/>
-                <a:t>결정 경계</a:t>
-              </a:r>
-            </a:p>
-          </p:txBody>
-        </p:sp>
-        <p:sp>
-          <p:nvSpPr>
-            <p:cNvPr id="9" name="TextBox 8">
-              <a:extLst>
-                <a:ext uri="{FF2B5EF4-FFF2-40B4-BE49-F238E27FC236}">
-                  <a16:creationId xmlns:a16="http://schemas.microsoft.com/office/drawing/2014/main" id="{B8360A0D-A07B-405B-B17F-9634F0AED768}"/>
-                </a:ext>
-              </a:extLst>
-            </p:cNvPr>
-            <p:cNvSpPr txBox="1"/>
-            <p:nvPr/>
-          </p:nvSpPr>
-          <p:spPr>
-            <a:xfrm>
-              <a:off x="1095704" y="3240834"/>
-              <a:ext cx="900000" cy="276999"/>
-            </a:xfrm>
-            <a:prstGeom prst="rect">
-              <a:avLst/>
-            </a:prstGeom>
-            <a:noFill/>
-          </p:spPr>
-          <p:txBody>
-            <a:bodyPr wrap="square" rtlCol="0">
-              <a:spAutoFit/>
-            </a:bodyPr>
-            <a:lstStyle/>
-            <a:p>
-              <a:pPr algn="ctr"/>
-              <a:r>
-                <a:rPr lang="ko-KR" altLang="en-US" sz="1200"/>
+                <a:rPr lang="ko-KR" altLang="en-US" sz="1200" dirty="0"/>
                 <a:t>결정 경계</a:t>
               </a:r>
             </a:p>
@@ -3744,16 +3727,10 @@
               <a:t>, </a:t>
             </a:r>
             <a:r>
-              <a:rPr lang="ko-KR" altLang="en-US" sz="1400" dirty="0" err="1">
-                <a:sym typeface="Wingdings" panose="05000000000000000000" pitchFamily="2" charset="2"/>
-              </a:rPr>
-              <a:t>완벽힌</a:t>
-            </a:r>
-            <a:r>
               <a:rPr lang="ko-KR" altLang="en-US" sz="1400" dirty="0">
                 <a:sym typeface="Wingdings" panose="05000000000000000000" pitchFamily="2" charset="2"/>
               </a:rPr>
-              <a:t> 분류가 불가능할 수 있음</a:t>
+              <a:t>완벽한 분류가 불가능할 수 있음</a:t>
             </a:r>
             <a:endParaRPr lang="en-US" altLang="ko-KR" sz="1400" dirty="0">
               <a:sym typeface="Wingdings" panose="05000000000000000000" pitchFamily="2" charset="2"/>
@@ -3815,7 +3792,7 @@
               <a:rPr lang="ko-KR" altLang="en-US" sz="1400" dirty="0">
                 <a:sym typeface="Wingdings" panose="05000000000000000000" pitchFamily="2" charset="2"/>
               </a:rPr>
-              <a:t>결정 경계 내부 또는 반대쪽에 위치한 샘플로 인해 발생</a:t>
+              <a:t>경계 내부 또는 반대쪽에 위치한 샘플로 인해 발생</a:t>
             </a:r>
             <a:endParaRPr lang="en-US" altLang="ko-KR" sz="1400" dirty="0">
               <a:sym typeface="Wingdings" panose="05000000000000000000" pitchFamily="2" charset="2"/>
@@ -4071,13 +4048,19 @@
               <a:buChar char="§"/>
             </a:pPr>
             <a:r>
-              <a:rPr lang="ko-KR" altLang="en-US" sz="1400" dirty="0">
+              <a:rPr lang="ko-KR" altLang="en-US" sz="1400" b="1" dirty="0">
+                <a:solidFill>
+                  <a:srgbClr val="C00000"/>
+                </a:solidFill>
                 <a:sym typeface="Wingdings" panose="05000000000000000000" pitchFamily="2" charset="2"/>
               </a:rPr>
               <a:t>선형 </a:t>
             </a:r>
             <a:r>
-              <a:rPr lang="en-US" altLang="ko-KR" sz="1400" dirty="0">
+              <a:rPr lang="en-US" altLang="ko-KR" sz="1400" b="1" dirty="0">
+                <a:solidFill>
+                  <a:srgbClr val="C00000"/>
+                </a:solidFill>
                 <a:sym typeface="Wingdings" panose="05000000000000000000" pitchFamily="2" charset="2"/>
               </a:rPr>
               <a:t>SVM</a:t>
@@ -4200,12 +4183,12 @@
               <a:defRPr/>
             </a:pPr>
             <a:r>
-              <a:rPr kumimoji="0" lang="ko-KR" altLang="en-US" sz="1400" b="0" i="0" u="none" strike="noStrike" kern="1200" cap="none" spc="0" normalizeH="0" baseline="0" noProof="0" dirty="0">
+              <a:rPr kumimoji="0" lang="ko-KR" altLang="en-US" sz="1400" b="1" i="0" u="none" strike="noStrike" kern="1200" cap="none" spc="0" normalizeH="0" baseline="0" noProof="0" dirty="0">
                 <a:ln>
                   <a:noFill/>
                 </a:ln>
                 <a:solidFill>
-                  <a:prstClr val="black"/>
+                  <a:srgbClr val="C00000"/>
                 </a:solidFill>
                 <a:effectLst/>
                 <a:uLnTx/>
@@ -4218,12 +4201,12 @@
               <a:t>비선형 </a:t>
             </a:r>
             <a:r>
-              <a:rPr kumimoji="0" lang="en-US" altLang="ko-KR" sz="1400" b="0" i="0" u="none" strike="noStrike" kern="1200" cap="none" spc="0" normalizeH="0" baseline="0" noProof="0" dirty="0">
+              <a:rPr kumimoji="0" lang="en-US" altLang="ko-KR" sz="1400" b="1" i="0" u="none" strike="noStrike" kern="1200" cap="none" spc="0" normalizeH="0" baseline="0" noProof="0" dirty="0">
                 <a:ln>
                   <a:noFill/>
                 </a:ln>
                 <a:solidFill>
-                  <a:prstClr val="black"/>
+                  <a:srgbClr val="C00000"/>
                 </a:solidFill>
                 <a:effectLst/>
                 <a:uLnTx/>
@@ -4744,13 +4727,19 @@
               <a:buChar char="§"/>
             </a:pPr>
             <a:r>
-              <a:rPr lang="ko-KR" altLang="en-US" sz="1400" dirty="0">
+              <a:rPr lang="ko-KR" altLang="en-US" sz="1400" b="1" dirty="0">
+                <a:solidFill>
+                  <a:srgbClr val="C00000"/>
+                </a:solidFill>
                 <a:sym typeface="Wingdings" panose="05000000000000000000" pitchFamily="2" charset="2"/>
               </a:rPr>
               <a:t>규제 파라미터 </a:t>
             </a:r>
             <a:r>
-              <a:rPr lang="en-US" altLang="ko-KR" sz="1400" dirty="0">
+              <a:rPr lang="en-US" altLang="ko-KR" sz="1400" b="1" dirty="0">
+                <a:solidFill>
+                  <a:srgbClr val="C00000"/>
+                </a:solidFill>
                 <a:sym typeface="Wingdings" panose="05000000000000000000" pitchFamily="2" charset="2"/>
               </a:rPr>
               <a:t>C</a:t>
@@ -5013,7 +5002,7 @@
                     <a:srgbClr val="C00000"/>
                   </a:solidFill>
                 </a:rPr>
-                <a:t>결정 경계를 얼마나 위반하는지</a:t>
+                <a:t>경계를 얼마나 위반하는지</a:t>
               </a:r>
               <a:endParaRPr lang="en-US" altLang="ko-KR" sz="1200" dirty="0">
                 <a:solidFill>
@@ -5076,7 +5065,7 @@
             </a:r>
             <a:r>
               <a:rPr lang="ko-KR" altLang="en-US" sz="1400" dirty="0"/>
-              <a:t>적은 샘플이 결정 경계를 위반해도 그 영향이 커짐</a:t>
+              <a:t>적은 샘플이 경계를 위반해도 그 영향이 커짐</a:t>
             </a:r>
             <a:endParaRPr lang="en-US" altLang="ko-KR" sz="1400" dirty="0"/>
           </a:p>
@@ -5095,7 +5084,7 @@
               <a:rPr lang="ko-KR" altLang="en-US" sz="1400" dirty="0">
                 <a:sym typeface="Wingdings" panose="05000000000000000000" pitchFamily="2" charset="2"/>
               </a:rPr>
-              <a:t>위반하지 않도록 결정 경계가 </a:t>
+              <a:t>많은 샘플이 경계를 위반하지 않도록 마진 폭이 </a:t>
             </a:r>
             <a:r>
               <a:rPr lang="ko-KR" altLang="en-US" sz="1400" dirty="0" err="1">
@@ -5281,10 +5270,2844 @@
           <a:chExt cx="0" cy="0"/>
         </a:xfrm>
       </p:grpSpPr>
+      <p:sp>
+        <p:nvSpPr>
+          <p:cNvPr id="2" name="TextBox 1">
+            <a:extLst>
+              <a:ext uri="{FF2B5EF4-FFF2-40B4-BE49-F238E27FC236}">
+                <a16:creationId xmlns:a16="http://schemas.microsoft.com/office/drawing/2014/main" id="{0877ED10-D3AC-49F4-BF1A-E7F601F5F7B5}"/>
+              </a:ext>
+            </a:extLst>
+          </p:cNvPr>
+          <p:cNvSpPr txBox="1"/>
+          <p:nvPr/>
+        </p:nvSpPr>
+        <p:spPr>
+          <a:xfrm>
+            <a:off x="343883" y="559778"/>
+            <a:ext cx="5760000" cy="677108"/>
+          </a:xfrm>
+          <a:prstGeom prst="rect">
+            <a:avLst/>
+          </a:prstGeom>
+          <a:noFill/>
+        </p:spPr>
+        <p:txBody>
+          <a:bodyPr wrap="square" rtlCol="0">
+            <a:spAutoFit/>
+          </a:bodyPr>
+          <a:lstStyle/>
+          <a:p>
+            <a:pPr marL="285750" indent="-285750">
+              <a:spcBef>
+                <a:spcPts val="600"/>
+              </a:spcBef>
+              <a:spcAft>
+                <a:spcPts val="600"/>
+              </a:spcAft>
+              <a:buFont typeface="Wingdings" panose="05000000000000000000" pitchFamily="2" charset="2"/>
+              <a:buChar char="§"/>
+            </a:pPr>
+            <a:r>
+              <a:rPr lang="ko-KR" altLang="en-US" sz="1400" b="1" dirty="0">
+                <a:solidFill>
+                  <a:srgbClr val="C00000"/>
+                </a:solidFill>
+                <a:sym typeface="Wingdings" panose="05000000000000000000" pitchFamily="2" charset="2"/>
+              </a:rPr>
+              <a:t>커널</a:t>
+            </a:r>
+            <a:endParaRPr lang="en-US" altLang="ko-KR" sz="1400" b="1" dirty="0">
+              <a:solidFill>
+                <a:srgbClr val="C00000"/>
+              </a:solidFill>
+              <a:sym typeface="Wingdings" panose="05000000000000000000" pitchFamily="2" charset="2"/>
+            </a:endParaRPr>
+          </a:p>
+          <a:p>
+            <a:pPr marL="742950" lvl="1" indent="-285750">
+              <a:spcBef>
+                <a:spcPts val="600"/>
+              </a:spcBef>
+              <a:spcAft>
+                <a:spcPts val="600"/>
+              </a:spcAft>
+              <a:buFontTx/>
+              <a:buChar char="-"/>
+            </a:pPr>
+            <a:r>
+              <a:rPr lang="ko-KR" altLang="en-US" sz="1400" dirty="0">
+                <a:sym typeface="Wingdings" panose="05000000000000000000" pitchFamily="2" charset="2"/>
+              </a:rPr>
+              <a:t>복잡한</a:t>
+            </a:r>
+            <a:r>
+              <a:rPr lang="en-US" altLang="ko-KR" sz="1400" dirty="0">
+                <a:sym typeface="Wingdings" panose="05000000000000000000" pitchFamily="2" charset="2"/>
+              </a:rPr>
+              <a:t>(</a:t>
+            </a:r>
+            <a:r>
+              <a:rPr lang="ko-KR" altLang="en-US" sz="1400" dirty="0">
+                <a:sym typeface="Wingdings" panose="05000000000000000000" pitchFamily="2" charset="2"/>
+              </a:rPr>
+              <a:t>비선형</a:t>
+            </a:r>
+            <a:r>
+              <a:rPr lang="en-US" altLang="ko-KR" sz="1400" dirty="0">
+                <a:sym typeface="Wingdings" panose="05000000000000000000" pitchFamily="2" charset="2"/>
+              </a:rPr>
+              <a:t>)</a:t>
+            </a:r>
+            <a:r>
+              <a:rPr lang="ko-KR" altLang="en-US" sz="1400" dirty="0">
+                <a:sym typeface="Wingdings" panose="05000000000000000000" pitchFamily="2" charset="2"/>
+              </a:rPr>
+              <a:t> 특성을 학습할 때 사용됨</a:t>
+            </a:r>
+            <a:endParaRPr lang="en-US" altLang="ko-KR" sz="1400" dirty="0">
+              <a:sym typeface="Wingdings" panose="05000000000000000000" pitchFamily="2" charset="2"/>
+            </a:endParaRPr>
+          </a:p>
+        </p:txBody>
+      </p:sp>
+      <p:sp>
+        <p:nvSpPr>
+          <p:cNvPr id="3" name="TextBox 2">
+            <a:extLst>
+              <a:ext uri="{FF2B5EF4-FFF2-40B4-BE49-F238E27FC236}">
+                <a16:creationId xmlns:a16="http://schemas.microsoft.com/office/drawing/2014/main" id="{A4268AAA-AC18-4C6C-B22D-19786B3B6E5F}"/>
+              </a:ext>
+            </a:extLst>
+          </p:cNvPr>
+          <p:cNvSpPr txBox="1"/>
+          <p:nvPr/>
+        </p:nvSpPr>
+        <p:spPr>
+          <a:xfrm>
+            <a:off x="343883" y="1458413"/>
+            <a:ext cx="5760000" cy="1785104"/>
+          </a:xfrm>
+          <a:prstGeom prst="rect">
+            <a:avLst/>
+          </a:prstGeom>
+          <a:noFill/>
+        </p:spPr>
+        <p:txBody>
+          <a:bodyPr wrap="square" rtlCol="0">
+            <a:spAutoFit/>
+          </a:bodyPr>
+          <a:lstStyle/>
+          <a:p>
+            <a:pPr marL="285750" indent="-285750">
+              <a:spcBef>
+                <a:spcPts val="600"/>
+              </a:spcBef>
+              <a:spcAft>
+                <a:spcPts val="600"/>
+              </a:spcAft>
+              <a:buFont typeface="Wingdings" panose="05000000000000000000" pitchFamily="2" charset="2"/>
+              <a:buChar char="§"/>
+            </a:pPr>
+            <a:r>
+              <a:rPr lang="ko-KR" altLang="en-US" sz="1400" b="1" dirty="0">
+                <a:solidFill>
+                  <a:srgbClr val="C00000"/>
+                </a:solidFill>
+                <a:sym typeface="Wingdings" panose="05000000000000000000" pitchFamily="2" charset="2"/>
+              </a:rPr>
+              <a:t>다항식 커널 </a:t>
+            </a:r>
+            <a:r>
+              <a:rPr lang="en-US" altLang="ko-KR" sz="1400" b="1" dirty="0">
+                <a:solidFill>
+                  <a:srgbClr val="C00000"/>
+                </a:solidFill>
+                <a:sym typeface="Wingdings" panose="05000000000000000000" pitchFamily="2" charset="2"/>
+              </a:rPr>
+              <a:t>(kernel</a:t>
+            </a:r>
+            <a:r>
+              <a:rPr lang="ko-KR" altLang="en-US" sz="1400" b="1" dirty="0">
+                <a:solidFill>
+                  <a:srgbClr val="C00000"/>
+                </a:solidFill>
+                <a:sym typeface="Wingdings" panose="05000000000000000000" pitchFamily="2" charset="2"/>
+              </a:rPr>
+              <a:t> </a:t>
+            </a:r>
+            <a:r>
+              <a:rPr lang="en-US" altLang="ko-KR" sz="1400" b="1" dirty="0">
+                <a:solidFill>
+                  <a:srgbClr val="C00000"/>
+                </a:solidFill>
+                <a:sym typeface="Wingdings" panose="05000000000000000000" pitchFamily="2" charset="2"/>
+              </a:rPr>
+              <a:t>=</a:t>
+            </a:r>
+            <a:r>
+              <a:rPr lang="ko-KR" altLang="en-US" sz="1400" b="1" dirty="0">
+                <a:solidFill>
+                  <a:srgbClr val="C00000"/>
+                </a:solidFill>
+                <a:sym typeface="Wingdings" panose="05000000000000000000" pitchFamily="2" charset="2"/>
+              </a:rPr>
+              <a:t> </a:t>
+            </a:r>
+            <a:r>
+              <a:rPr lang="en-US" altLang="ko-KR" sz="1400" b="1" dirty="0">
+                <a:solidFill>
+                  <a:srgbClr val="C00000"/>
+                </a:solidFill>
+                <a:sym typeface="Wingdings" panose="05000000000000000000" pitchFamily="2" charset="2"/>
+              </a:rPr>
+              <a:t>‘poly’)</a:t>
+            </a:r>
+          </a:p>
+          <a:p>
+            <a:pPr marL="742950" lvl="1" indent="-285750">
+              <a:spcBef>
+                <a:spcPts val="600"/>
+              </a:spcBef>
+              <a:spcAft>
+                <a:spcPts val="600"/>
+              </a:spcAft>
+              <a:buFontTx/>
+              <a:buChar char="-"/>
+            </a:pPr>
+            <a:r>
+              <a:rPr lang="ko-KR" altLang="en-US" sz="1400" dirty="0">
+                <a:sym typeface="Wingdings" panose="05000000000000000000" pitchFamily="2" charset="2"/>
+              </a:rPr>
+              <a:t>낮은 차수의 다항식 </a:t>
+            </a:r>
+            <a:r>
+              <a:rPr lang="en-US" altLang="ko-KR" sz="1400" dirty="0">
+                <a:sym typeface="Wingdings" panose="05000000000000000000" pitchFamily="2" charset="2"/>
+              </a:rPr>
+              <a:t>: </a:t>
+            </a:r>
+            <a:r>
+              <a:rPr lang="ko-KR" altLang="en-US" sz="1400" dirty="0">
+                <a:sym typeface="Wingdings" panose="05000000000000000000" pitchFamily="2" charset="2"/>
+              </a:rPr>
+              <a:t>복잡한 특성을 표현하지 못함</a:t>
+            </a:r>
+            <a:r>
+              <a:rPr lang="en-US" altLang="ko-KR" sz="1400" dirty="0">
+                <a:sym typeface="Wingdings" panose="05000000000000000000" pitchFamily="2" charset="2"/>
+              </a:rPr>
+              <a:t>, </a:t>
+            </a:r>
+            <a:r>
+              <a:rPr lang="ko-KR" altLang="en-US" sz="1400" dirty="0">
+                <a:sym typeface="Wingdings" panose="05000000000000000000" pitchFamily="2" charset="2"/>
+              </a:rPr>
+              <a:t>빠름</a:t>
+            </a:r>
+            <a:endParaRPr lang="en-US" altLang="ko-KR" sz="1400" dirty="0">
+              <a:sym typeface="Wingdings" panose="05000000000000000000" pitchFamily="2" charset="2"/>
+            </a:endParaRPr>
+          </a:p>
+          <a:p>
+            <a:pPr marL="742950" lvl="1" indent="-285750">
+              <a:spcBef>
+                <a:spcPts val="600"/>
+              </a:spcBef>
+              <a:spcAft>
+                <a:spcPts val="600"/>
+              </a:spcAft>
+              <a:buFontTx/>
+              <a:buChar char="-"/>
+            </a:pPr>
+            <a:r>
+              <a:rPr lang="ko-KR" altLang="en-US" sz="1400" dirty="0">
+                <a:sym typeface="Wingdings" panose="05000000000000000000" pitchFamily="2" charset="2"/>
+              </a:rPr>
+              <a:t>높은 차수의 다항식 </a:t>
+            </a:r>
+            <a:r>
+              <a:rPr lang="en-US" altLang="ko-KR" sz="1400" dirty="0">
+                <a:sym typeface="Wingdings" panose="05000000000000000000" pitchFamily="2" charset="2"/>
+              </a:rPr>
+              <a:t>: </a:t>
+            </a:r>
+            <a:r>
+              <a:rPr lang="ko-KR" altLang="en-US" sz="1400" dirty="0">
+                <a:sym typeface="Wingdings" panose="05000000000000000000" pitchFamily="2" charset="2"/>
+              </a:rPr>
+              <a:t>복잡한 특성을 표현 가능함</a:t>
+            </a:r>
+            <a:r>
+              <a:rPr lang="en-US" altLang="ko-KR" sz="1400" dirty="0">
+                <a:sym typeface="Wingdings" panose="05000000000000000000" pitchFamily="2" charset="2"/>
+              </a:rPr>
+              <a:t>, </a:t>
+            </a:r>
+            <a:r>
+              <a:rPr lang="ko-KR" altLang="en-US" sz="1400" dirty="0">
+                <a:sym typeface="Wingdings" panose="05000000000000000000" pitchFamily="2" charset="2"/>
+              </a:rPr>
+              <a:t>느림</a:t>
+            </a:r>
+            <a:endParaRPr lang="en-US" altLang="ko-KR" sz="1400" dirty="0">
+              <a:sym typeface="Wingdings" panose="05000000000000000000" pitchFamily="2" charset="2"/>
+            </a:endParaRPr>
+          </a:p>
+          <a:p>
+            <a:pPr marL="742950" lvl="1" indent="-285750">
+              <a:spcBef>
+                <a:spcPts val="600"/>
+              </a:spcBef>
+              <a:spcAft>
+                <a:spcPts val="600"/>
+              </a:spcAft>
+              <a:buFontTx/>
+              <a:buChar char="-"/>
+            </a:pPr>
+            <a:r>
+              <a:rPr lang="ko-KR" altLang="en-US" sz="1400" dirty="0">
+                <a:sym typeface="Wingdings" panose="05000000000000000000" pitchFamily="2" charset="2"/>
+              </a:rPr>
+              <a:t>과대적합 </a:t>
+            </a:r>
+            <a:r>
+              <a:rPr lang="en-US" altLang="ko-KR" sz="1400" dirty="0">
+                <a:sym typeface="Wingdings" panose="05000000000000000000" pitchFamily="2" charset="2"/>
+              </a:rPr>
+              <a:t> </a:t>
+            </a:r>
+            <a:r>
+              <a:rPr lang="ko-KR" altLang="en-US" sz="1400" b="1" dirty="0">
+                <a:sym typeface="Wingdings" panose="05000000000000000000" pitchFamily="2" charset="2"/>
+              </a:rPr>
+              <a:t>차수</a:t>
+            </a:r>
+            <a:r>
+              <a:rPr lang="en-US" altLang="ko-KR" sz="1400" b="1" dirty="0">
+                <a:sym typeface="Wingdings" panose="05000000000000000000" pitchFamily="2" charset="2"/>
+              </a:rPr>
+              <a:t>(degree)</a:t>
+            </a:r>
+            <a:r>
+              <a:rPr lang="ko-KR" altLang="en-US" sz="1400" b="1" dirty="0">
+                <a:sym typeface="Wingdings" panose="05000000000000000000" pitchFamily="2" charset="2"/>
+              </a:rPr>
+              <a:t> 낮춤</a:t>
+            </a:r>
+            <a:r>
+              <a:rPr lang="ko-KR" altLang="en-US" sz="1400" dirty="0">
+                <a:sym typeface="Wingdings" panose="05000000000000000000" pitchFamily="2" charset="2"/>
+              </a:rPr>
+              <a:t> </a:t>
+            </a:r>
+            <a:r>
+              <a:rPr lang="en-US" altLang="ko-KR" sz="1400" dirty="0">
+                <a:sym typeface="Wingdings" panose="05000000000000000000" pitchFamily="2" charset="2"/>
+              </a:rPr>
+              <a:t> </a:t>
+            </a:r>
+            <a:r>
+              <a:rPr lang="ko-KR" altLang="en-US" sz="1400" dirty="0">
+                <a:sym typeface="Wingdings" panose="05000000000000000000" pitchFamily="2" charset="2"/>
+              </a:rPr>
+              <a:t>일반화</a:t>
+            </a:r>
+            <a:endParaRPr lang="en-US" altLang="ko-KR" sz="1400" dirty="0">
+              <a:sym typeface="Wingdings" panose="05000000000000000000" pitchFamily="2" charset="2"/>
+            </a:endParaRPr>
+          </a:p>
+          <a:p>
+            <a:pPr marL="742950" lvl="1" indent="-285750">
+              <a:spcBef>
+                <a:spcPts val="600"/>
+              </a:spcBef>
+              <a:spcAft>
+                <a:spcPts val="600"/>
+              </a:spcAft>
+              <a:buFontTx/>
+              <a:buChar char="-"/>
+            </a:pPr>
+            <a:r>
+              <a:rPr lang="ko-KR" altLang="en-US" sz="1400" dirty="0">
+                <a:sym typeface="Wingdings" panose="05000000000000000000" pitchFamily="2" charset="2"/>
+              </a:rPr>
+              <a:t>과소적합</a:t>
+            </a:r>
+            <a:r>
+              <a:rPr lang="en-US" altLang="ko-KR" sz="1400" dirty="0">
+                <a:sym typeface="Wingdings" panose="05000000000000000000" pitchFamily="2" charset="2"/>
+              </a:rPr>
+              <a:t>  </a:t>
+            </a:r>
+            <a:r>
+              <a:rPr lang="ko-KR" altLang="en-US" sz="1400" b="1" dirty="0">
+                <a:sym typeface="Wingdings" panose="05000000000000000000" pitchFamily="2" charset="2"/>
+              </a:rPr>
+              <a:t>차수</a:t>
+            </a:r>
+            <a:r>
+              <a:rPr lang="en-US" altLang="ko-KR" sz="1400" b="1" dirty="0">
+                <a:sym typeface="Wingdings" panose="05000000000000000000" pitchFamily="2" charset="2"/>
+              </a:rPr>
+              <a:t>(degree)</a:t>
+            </a:r>
+            <a:r>
+              <a:rPr lang="ko-KR" altLang="en-US" sz="1400" b="1" dirty="0">
+                <a:sym typeface="Wingdings" panose="05000000000000000000" pitchFamily="2" charset="2"/>
+              </a:rPr>
+              <a:t> 높임</a:t>
+            </a:r>
+            <a:r>
+              <a:rPr lang="ko-KR" altLang="en-US" sz="1400" dirty="0">
+                <a:sym typeface="Wingdings" panose="05000000000000000000" pitchFamily="2" charset="2"/>
+              </a:rPr>
+              <a:t> </a:t>
+            </a:r>
+            <a:r>
+              <a:rPr lang="en-US" altLang="ko-KR" sz="1400" dirty="0">
+                <a:sym typeface="Wingdings" panose="05000000000000000000" pitchFamily="2" charset="2"/>
+              </a:rPr>
+              <a:t> </a:t>
+            </a:r>
+            <a:r>
+              <a:rPr lang="ko-KR" altLang="en-US" sz="1400" dirty="0">
+                <a:sym typeface="Wingdings" panose="05000000000000000000" pitchFamily="2" charset="2"/>
+              </a:rPr>
+              <a:t>적합</a:t>
+            </a:r>
+            <a:endParaRPr lang="en-US" altLang="ko-KR" sz="1400" dirty="0">
+              <a:sym typeface="Wingdings" panose="05000000000000000000" pitchFamily="2" charset="2"/>
+            </a:endParaRPr>
+          </a:p>
+        </p:txBody>
+      </p:sp>
+      <p:grpSp>
+        <p:nvGrpSpPr>
+          <p:cNvPr id="13" name="그룹 12">
+            <a:extLst>
+              <a:ext uri="{FF2B5EF4-FFF2-40B4-BE49-F238E27FC236}">
+                <a16:creationId xmlns:a16="http://schemas.microsoft.com/office/drawing/2014/main" id="{6E5B16B9-E64F-43BB-B301-DC605BFD5536}"/>
+              </a:ext>
+            </a:extLst>
+          </p:cNvPr>
+          <p:cNvGrpSpPr/>
+          <p:nvPr/>
+        </p:nvGrpSpPr>
+        <p:grpSpPr>
+          <a:xfrm>
+            <a:off x="3216000" y="3614484"/>
+            <a:ext cx="5760000" cy="2072684"/>
+            <a:chOff x="343883" y="3429000"/>
+            <a:chExt cx="5760000" cy="2072684"/>
+          </a:xfrm>
+        </p:grpSpPr>
+        <p:pic>
+          <p:nvPicPr>
+            <p:cNvPr id="5" name="그림 4">
+              <a:extLst>
+                <a:ext uri="{FF2B5EF4-FFF2-40B4-BE49-F238E27FC236}">
+                  <a16:creationId xmlns:a16="http://schemas.microsoft.com/office/drawing/2014/main" id="{BA09295B-DD6D-4E3F-AF3C-A703925DB5E5}"/>
+                </a:ext>
+              </a:extLst>
+            </p:cNvPr>
+            <p:cNvPicPr>
+              <a:picLocks noChangeAspect="1"/>
+            </p:cNvPicPr>
+            <p:nvPr/>
+          </p:nvPicPr>
+          <p:blipFill>
+            <a:blip r:embed="rId2"/>
+            <a:stretch>
+              <a:fillRect/>
+            </a:stretch>
+          </p:blipFill>
+          <p:spPr>
+            <a:xfrm>
+              <a:off x="343883" y="3429000"/>
+              <a:ext cx="5760000" cy="2072684"/>
+            </a:xfrm>
+            <a:prstGeom prst="rect">
+              <a:avLst/>
+            </a:prstGeom>
+          </p:spPr>
+        </p:pic>
+        <p:sp>
+          <p:nvSpPr>
+            <p:cNvPr id="6" name="직사각형 5">
+              <a:extLst>
+                <a:ext uri="{FF2B5EF4-FFF2-40B4-BE49-F238E27FC236}">
+                  <a16:creationId xmlns:a16="http://schemas.microsoft.com/office/drawing/2014/main" id="{551AFCA3-DCAF-4908-B9F4-24D91C09B56A}"/>
+                </a:ext>
+              </a:extLst>
+            </p:cNvPr>
+            <p:cNvSpPr/>
+            <p:nvPr/>
+          </p:nvSpPr>
+          <p:spPr>
+            <a:xfrm>
+              <a:off x="1497724" y="3429000"/>
+              <a:ext cx="433552" cy="185484"/>
+            </a:xfrm>
+            <a:prstGeom prst="rect">
+              <a:avLst/>
+            </a:prstGeom>
+            <a:noFill/>
+            <a:ln w="38100">
+              <a:solidFill>
+                <a:srgbClr val="FF0000"/>
+              </a:solidFill>
+            </a:ln>
+          </p:spPr>
+          <p:style>
+            <a:lnRef idx="2">
+              <a:schemeClr val="accent1">
+                <a:shade val="50000"/>
+              </a:schemeClr>
+            </a:lnRef>
+            <a:fillRef idx="1">
+              <a:schemeClr val="accent1"/>
+            </a:fillRef>
+            <a:effectRef idx="0">
+              <a:schemeClr val="accent1"/>
+            </a:effectRef>
+            <a:fontRef idx="minor">
+              <a:schemeClr val="lt1"/>
+            </a:fontRef>
+          </p:style>
+          <p:txBody>
+            <a:bodyPr rtlCol="0" anchor="ctr"/>
+            <a:lstStyle/>
+            <a:p>
+              <a:pPr algn="ctr"/>
+              <a:endParaRPr lang="ko-KR" altLang="en-US"/>
+            </a:p>
+          </p:txBody>
+        </p:sp>
+        <p:sp>
+          <p:nvSpPr>
+            <p:cNvPr id="7" name="직사각형 6">
+              <a:extLst>
+                <a:ext uri="{FF2B5EF4-FFF2-40B4-BE49-F238E27FC236}">
+                  <a16:creationId xmlns:a16="http://schemas.microsoft.com/office/drawing/2014/main" id="{11A92E80-9B8C-43D4-8661-5D235DCF77E1}"/>
+                </a:ext>
+              </a:extLst>
+            </p:cNvPr>
+            <p:cNvSpPr/>
+            <p:nvPr/>
+          </p:nvSpPr>
+          <p:spPr>
+            <a:xfrm>
+              <a:off x="4043854" y="3429000"/>
+              <a:ext cx="504000" cy="185484"/>
+            </a:xfrm>
+            <a:prstGeom prst="rect">
+              <a:avLst/>
+            </a:prstGeom>
+            <a:noFill/>
+            <a:ln w="38100">
+              <a:solidFill>
+                <a:srgbClr val="FF0000"/>
+              </a:solidFill>
+            </a:ln>
+          </p:spPr>
+          <p:style>
+            <a:lnRef idx="2">
+              <a:schemeClr val="accent1">
+                <a:shade val="50000"/>
+              </a:schemeClr>
+            </a:lnRef>
+            <a:fillRef idx="1">
+              <a:schemeClr val="accent1"/>
+            </a:fillRef>
+            <a:effectRef idx="0">
+              <a:schemeClr val="accent1"/>
+            </a:effectRef>
+            <a:fontRef idx="minor">
+              <a:schemeClr val="lt1"/>
+            </a:fontRef>
+          </p:style>
+          <p:txBody>
+            <a:bodyPr rtlCol="0" anchor="ctr"/>
+            <a:lstStyle/>
+            <a:p>
+              <a:pPr algn="ctr"/>
+              <a:endParaRPr lang="ko-KR" altLang="en-US"/>
+            </a:p>
+          </p:txBody>
+        </p:sp>
+      </p:grpSp>
     </p:spTree>
     <p:extLst>
       <p:ext uri="{BB962C8B-B14F-4D97-AF65-F5344CB8AC3E}">
         <p14:creationId xmlns:p14="http://schemas.microsoft.com/office/powerpoint/2010/main" val="2681393154"/>
+      </p:ext>
+    </p:extLst>
+  </p:cSld>
+  <p:clrMapOvr>
+    <a:masterClrMapping/>
+  </p:clrMapOvr>
+</p:sld>
+</file>
+
+<file path=ppt/slides/slide5.xml><?xml version="1.0" encoding="utf-8"?>
+<p:sld xmlns:a="http://schemas.openxmlformats.org/drawingml/2006/main" xmlns:r="http://schemas.openxmlformats.org/officeDocument/2006/relationships" xmlns:p="http://schemas.openxmlformats.org/presentationml/2006/main">
+  <p:cSld>
+    <p:spTree>
+      <p:nvGrpSpPr>
+        <p:cNvPr id="1" name=""/>
+        <p:cNvGrpSpPr/>
+        <p:nvPr/>
+      </p:nvGrpSpPr>
+      <p:grpSpPr>
+        <a:xfrm>
+          <a:off x="0" y="0"/>
+          <a:ext cx="0" cy="0"/>
+          <a:chOff x="0" y="0"/>
+          <a:chExt cx="0" cy="0"/>
+        </a:xfrm>
+      </p:grpSpPr>
+      <p:sp>
+        <p:nvSpPr>
+          <p:cNvPr id="2" name="TextBox 1">
+            <a:extLst>
+              <a:ext uri="{FF2B5EF4-FFF2-40B4-BE49-F238E27FC236}">
+                <a16:creationId xmlns:a16="http://schemas.microsoft.com/office/drawing/2014/main" id="{0245A9D7-0355-4DE1-95F9-E66CEDAFC98E}"/>
+              </a:ext>
+            </a:extLst>
+          </p:cNvPr>
+          <p:cNvSpPr txBox="1"/>
+          <p:nvPr/>
+        </p:nvSpPr>
+        <p:spPr>
+          <a:xfrm>
+            <a:off x="349466" y="559779"/>
+            <a:ext cx="5760000" cy="1415772"/>
+          </a:xfrm>
+          <a:prstGeom prst="rect">
+            <a:avLst/>
+          </a:prstGeom>
+          <a:noFill/>
+        </p:spPr>
+        <p:txBody>
+          <a:bodyPr wrap="square" rtlCol="0">
+            <a:spAutoFit/>
+          </a:bodyPr>
+          <a:lstStyle/>
+          <a:p>
+            <a:pPr marL="285750" indent="-285750">
+              <a:spcBef>
+                <a:spcPts val="600"/>
+              </a:spcBef>
+              <a:spcAft>
+                <a:spcPts val="600"/>
+              </a:spcAft>
+              <a:buFont typeface="Wingdings" panose="05000000000000000000" pitchFamily="2" charset="2"/>
+              <a:buChar char="§"/>
+            </a:pPr>
+            <a:r>
+              <a:rPr lang="ko-KR" altLang="en-US" sz="1400" b="1" dirty="0" err="1">
+                <a:solidFill>
+                  <a:srgbClr val="C00000"/>
+                </a:solidFill>
+                <a:sym typeface="Wingdings" panose="05000000000000000000" pitchFamily="2" charset="2"/>
+              </a:rPr>
+              <a:t>가우시안</a:t>
+            </a:r>
+            <a:r>
+              <a:rPr lang="ko-KR" altLang="en-US" sz="1400" b="1" dirty="0">
+                <a:solidFill>
+                  <a:srgbClr val="C00000"/>
+                </a:solidFill>
+                <a:sym typeface="Wingdings" panose="05000000000000000000" pitchFamily="2" charset="2"/>
+              </a:rPr>
+              <a:t> </a:t>
+            </a:r>
+            <a:r>
+              <a:rPr lang="en-US" altLang="ko-KR" sz="1400" b="1" dirty="0">
+                <a:solidFill>
+                  <a:srgbClr val="C00000"/>
+                </a:solidFill>
+                <a:sym typeface="Wingdings" panose="05000000000000000000" pitchFamily="2" charset="2"/>
+              </a:rPr>
+              <a:t>RBF</a:t>
+            </a:r>
+            <a:r>
+              <a:rPr lang="ko-KR" altLang="en-US" sz="1400" b="1" dirty="0">
+                <a:solidFill>
+                  <a:srgbClr val="C00000"/>
+                </a:solidFill>
+                <a:sym typeface="Wingdings" panose="05000000000000000000" pitchFamily="2" charset="2"/>
+              </a:rPr>
+              <a:t> 커널 </a:t>
+            </a:r>
+            <a:r>
+              <a:rPr lang="en-US" altLang="ko-KR" sz="1400" b="1" dirty="0">
+                <a:solidFill>
+                  <a:srgbClr val="C00000"/>
+                </a:solidFill>
+                <a:sym typeface="Wingdings" panose="05000000000000000000" pitchFamily="2" charset="2"/>
+              </a:rPr>
+              <a:t>(kernel</a:t>
+            </a:r>
+            <a:r>
+              <a:rPr lang="ko-KR" altLang="en-US" sz="1400" b="1" dirty="0">
+                <a:solidFill>
+                  <a:srgbClr val="C00000"/>
+                </a:solidFill>
+                <a:sym typeface="Wingdings" panose="05000000000000000000" pitchFamily="2" charset="2"/>
+              </a:rPr>
+              <a:t> </a:t>
+            </a:r>
+            <a:r>
+              <a:rPr lang="en-US" altLang="ko-KR" sz="1400" b="1" dirty="0">
+                <a:solidFill>
+                  <a:srgbClr val="C00000"/>
+                </a:solidFill>
+                <a:sym typeface="Wingdings" panose="05000000000000000000" pitchFamily="2" charset="2"/>
+              </a:rPr>
+              <a:t>=</a:t>
+            </a:r>
+            <a:r>
+              <a:rPr lang="ko-KR" altLang="en-US" sz="1400" b="1" dirty="0">
+                <a:solidFill>
+                  <a:srgbClr val="C00000"/>
+                </a:solidFill>
+                <a:sym typeface="Wingdings" panose="05000000000000000000" pitchFamily="2" charset="2"/>
+              </a:rPr>
+              <a:t> </a:t>
+            </a:r>
+            <a:r>
+              <a:rPr lang="en-US" altLang="ko-KR" sz="1400" b="1" dirty="0">
+                <a:solidFill>
+                  <a:srgbClr val="C00000"/>
+                </a:solidFill>
+                <a:sym typeface="Wingdings" panose="05000000000000000000" pitchFamily="2" charset="2"/>
+              </a:rPr>
+              <a:t>‘</a:t>
+            </a:r>
+            <a:r>
+              <a:rPr lang="en-US" altLang="ko-KR" sz="1400" b="1" dirty="0" err="1">
+                <a:solidFill>
+                  <a:srgbClr val="C00000"/>
+                </a:solidFill>
+                <a:sym typeface="Wingdings" panose="05000000000000000000" pitchFamily="2" charset="2"/>
+              </a:rPr>
+              <a:t>rbf</a:t>
+            </a:r>
+            <a:r>
+              <a:rPr lang="en-US" altLang="ko-KR" sz="1400" b="1" dirty="0">
+                <a:solidFill>
+                  <a:srgbClr val="C00000"/>
+                </a:solidFill>
+                <a:sym typeface="Wingdings" panose="05000000000000000000" pitchFamily="2" charset="2"/>
+              </a:rPr>
+              <a:t>’)</a:t>
+            </a:r>
+          </a:p>
+          <a:p>
+            <a:pPr marL="742950" lvl="1" indent="-285750">
+              <a:spcBef>
+                <a:spcPts val="600"/>
+              </a:spcBef>
+              <a:spcAft>
+                <a:spcPts val="600"/>
+              </a:spcAft>
+              <a:buFontTx/>
+              <a:buChar char="-"/>
+            </a:pPr>
+            <a:r>
+              <a:rPr lang="ko-KR" altLang="en-US" sz="1400" dirty="0">
+                <a:sym typeface="Wingdings" panose="05000000000000000000" pitchFamily="2" charset="2"/>
+              </a:rPr>
+              <a:t>유사도 특성 방식을 적용</a:t>
+            </a:r>
+            <a:endParaRPr lang="en-US" altLang="ko-KR" sz="1400" dirty="0">
+              <a:sym typeface="Wingdings" panose="05000000000000000000" pitchFamily="2" charset="2"/>
+            </a:endParaRPr>
+          </a:p>
+          <a:p>
+            <a:pPr marL="742950" lvl="1" indent="-285750">
+              <a:spcBef>
+                <a:spcPts val="600"/>
+              </a:spcBef>
+              <a:spcAft>
+                <a:spcPts val="600"/>
+              </a:spcAft>
+              <a:buFontTx/>
+              <a:buChar char="-"/>
+            </a:pPr>
+            <a:r>
+              <a:rPr lang="ko-KR" altLang="en-US" sz="1400" dirty="0">
+                <a:sym typeface="Wingdings" panose="05000000000000000000" pitchFamily="2" charset="2"/>
+              </a:rPr>
+              <a:t>과대적합 </a:t>
+            </a:r>
+            <a:r>
+              <a:rPr lang="en-US" altLang="ko-KR" sz="1400" dirty="0">
+                <a:sym typeface="Wingdings" panose="05000000000000000000" pitchFamily="2" charset="2"/>
+              </a:rPr>
+              <a:t> </a:t>
+            </a:r>
+            <a:r>
+              <a:rPr lang="en-US" altLang="ko-KR" sz="1400" b="1" dirty="0">
+                <a:sym typeface="Wingdings" panose="05000000000000000000" pitchFamily="2" charset="2"/>
+              </a:rPr>
+              <a:t>gamma </a:t>
+            </a:r>
+            <a:r>
+              <a:rPr lang="ko-KR" altLang="en-US" sz="1400" b="1" dirty="0">
+                <a:sym typeface="Wingdings" panose="05000000000000000000" pitchFamily="2" charset="2"/>
+              </a:rPr>
+              <a:t>작게 </a:t>
+            </a:r>
+            <a:r>
+              <a:rPr lang="en-US" altLang="ko-KR" sz="1400" dirty="0">
+                <a:sym typeface="Wingdings" panose="05000000000000000000" pitchFamily="2" charset="2"/>
+              </a:rPr>
+              <a:t> </a:t>
+            </a:r>
+            <a:r>
+              <a:rPr lang="ko-KR" altLang="en-US" sz="1400" dirty="0">
+                <a:sym typeface="Wingdings" panose="05000000000000000000" pitchFamily="2" charset="2"/>
+              </a:rPr>
+              <a:t>일반화</a:t>
+            </a:r>
+            <a:endParaRPr lang="en-US" altLang="ko-KR" sz="1400" dirty="0">
+              <a:sym typeface="Wingdings" panose="05000000000000000000" pitchFamily="2" charset="2"/>
+            </a:endParaRPr>
+          </a:p>
+          <a:p>
+            <a:pPr marL="742950" lvl="1" indent="-285750">
+              <a:spcBef>
+                <a:spcPts val="600"/>
+              </a:spcBef>
+              <a:spcAft>
+                <a:spcPts val="600"/>
+              </a:spcAft>
+              <a:buFontTx/>
+              <a:buChar char="-"/>
+            </a:pPr>
+            <a:r>
+              <a:rPr lang="ko-KR" altLang="en-US" sz="1400" dirty="0">
+                <a:sym typeface="Wingdings" panose="05000000000000000000" pitchFamily="2" charset="2"/>
+              </a:rPr>
+              <a:t>과소적합</a:t>
+            </a:r>
+            <a:r>
+              <a:rPr lang="en-US" altLang="ko-KR" sz="1400" dirty="0">
+                <a:sym typeface="Wingdings" panose="05000000000000000000" pitchFamily="2" charset="2"/>
+              </a:rPr>
+              <a:t>  </a:t>
+            </a:r>
+            <a:r>
+              <a:rPr lang="en-US" altLang="ko-KR" sz="1400" b="1" dirty="0">
+                <a:sym typeface="Wingdings" panose="05000000000000000000" pitchFamily="2" charset="2"/>
+              </a:rPr>
+              <a:t>gamma </a:t>
+            </a:r>
+            <a:r>
+              <a:rPr lang="ko-KR" altLang="en-US" sz="1400" b="1" dirty="0">
+                <a:sym typeface="Wingdings" panose="05000000000000000000" pitchFamily="2" charset="2"/>
+              </a:rPr>
+              <a:t>크게 </a:t>
+            </a:r>
+            <a:r>
+              <a:rPr lang="en-US" altLang="ko-KR" sz="1400" dirty="0">
+                <a:sym typeface="Wingdings" panose="05000000000000000000" pitchFamily="2" charset="2"/>
+              </a:rPr>
+              <a:t> </a:t>
+            </a:r>
+            <a:r>
+              <a:rPr lang="ko-KR" altLang="en-US" sz="1400" dirty="0">
+                <a:sym typeface="Wingdings" panose="05000000000000000000" pitchFamily="2" charset="2"/>
+              </a:rPr>
+              <a:t>적합</a:t>
+            </a:r>
+            <a:endParaRPr lang="en-US" altLang="ko-KR" sz="1400" dirty="0">
+              <a:sym typeface="Wingdings" panose="05000000000000000000" pitchFamily="2" charset="2"/>
+            </a:endParaRPr>
+          </a:p>
+        </p:txBody>
+      </p:sp>
+      <p:grpSp>
+        <p:nvGrpSpPr>
+          <p:cNvPr id="3" name="그룹 2">
+            <a:extLst>
+              <a:ext uri="{FF2B5EF4-FFF2-40B4-BE49-F238E27FC236}">
+                <a16:creationId xmlns:a16="http://schemas.microsoft.com/office/drawing/2014/main" id="{7D7AFD35-F7E2-4997-89A8-571013B4BE6B}"/>
+              </a:ext>
+            </a:extLst>
+          </p:cNvPr>
+          <p:cNvGrpSpPr>
+            <a:grpSpLocks noChangeAspect="1"/>
+          </p:cNvGrpSpPr>
+          <p:nvPr/>
+        </p:nvGrpSpPr>
+        <p:grpSpPr>
+          <a:xfrm>
+            <a:off x="5628380" y="3429000"/>
+            <a:ext cx="6227620" cy="2160000"/>
+            <a:chOff x="488237" y="6525073"/>
+            <a:chExt cx="9501143" cy="3295395"/>
+          </a:xfrm>
+        </p:grpSpPr>
+        <p:pic>
+          <p:nvPicPr>
+            <p:cNvPr id="4" name="그림 3">
+              <a:extLst>
+                <a:ext uri="{FF2B5EF4-FFF2-40B4-BE49-F238E27FC236}">
+                  <a16:creationId xmlns:a16="http://schemas.microsoft.com/office/drawing/2014/main" id="{04954C87-CD4A-4842-BDD1-088A8D8BAECE}"/>
+                </a:ext>
+              </a:extLst>
+            </p:cNvPr>
+            <p:cNvPicPr>
+              <a:picLocks noChangeAspect="1"/>
+            </p:cNvPicPr>
+            <p:nvPr/>
+          </p:nvPicPr>
+          <p:blipFill rotWithShape="1">
+            <a:blip r:embed="rId2"/>
+            <a:srcRect b="52982"/>
+            <a:stretch/>
+          </p:blipFill>
+          <p:spPr>
+            <a:xfrm>
+              <a:off x="488237" y="6525073"/>
+              <a:ext cx="5124450" cy="2924430"/>
+            </a:xfrm>
+            <a:prstGeom prst="rect">
+              <a:avLst/>
+            </a:prstGeom>
+          </p:spPr>
+        </p:pic>
+        <p:pic>
+          <p:nvPicPr>
+            <p:cNvPr id="5" name="그림 4">
+              <a:extLst>
+                <a:ext uri="{FF2B5EF4-FFF2-40B4-BE49-F238E27FC236}">
+                  <a16:creationId xmlns:a16="http://schemas.microsoft.com/office/drawing/2014/main" id="{9E3C0C17-9BB9-42BF-AB8A-2FB8DF367142}"/>
+                </a:ext>
+              </a:extLst>
+            </p:cNvPr>
+            <p:cNvPicPr>
+              <a:picLocks noChangeAspect="1"/>
+            </p:cNvPicPr>
+            <p:nvPr/>
+          </p:nvPicPr>
+          <p:blipFill rotWithShape="1">
+            <a:blip r:embed="rId3">
+              <a:clrChange>
+                <a:clrFrom>
+                  <a:srgbClr val="FFFFFF"/>
+                </a:clrFrom>
+                <a:clrTo>
+                  <a:srgbClr val="FFFFFF">
+                    <a:alpha val="0"/>
+                  </a:srgbClr>
+                </a:clrTo>
+              </a:clrChange>
+            </a:blip>
+            <a:srcRect l="14592" t="47018" b="-1"/>
+            <a:stretch/>
+          </p:blipFill>
+          <p:spPr>
+            <a:xfrm>
+              <a:off x="5612687" y="6525073"/>
+              <a:ext cx="4376693" cy="3295395"/>
+            </a:xfrm>
+            <a:prstGeom prst="rect">
+              <a:avLst/>
+            </a:prstGeom>
+          </p:spPr>
+        </p:pic>
+      </p:grpSp>
+      <p:pic>
+        <p:nvPicPr>
+          <p:cNvPr id="7" name="그림 6">
+            <a:extLst>
+              <a:ext uri="{FF2B5EF4-FFF2-40B4-BE49-F238E27FC236}">
+                <a16:creationId xmlns:a16="http://schemas.microsoft.com/office/drawing/2014/main" id="{7A548895-2EFB-427D-8A1B-389BA1AB26FC}"/>
+              </a:ext>
+            </a:extLst>
+          </p:cNvPr>
+          <p:cNvPicPr>
+            <a:picLocks noChangeAspect="1"/>
+          </p:cNvPicPr>
+          <p:nvPr/>
+        </p:nvPicPr>
+        <p:blipFill>
+          <a:blip r:embed="rId4"/>
+          <a:stretch>
+            <a:fillRect/>
+          </a:stretch>
+        </p:blipFill>
+        <p:spPr>
+          <a:xfrm>
+            <a:off x="6096000" y="559779"/>
+            <a:ext cx="5760000" cy="2114646"/>
+          </a:xfrm>
+          <a:prstGeom prst="rect">
+            <a:avLst/>
+          </a:prstGeom>
+        </p:spPr>
+      </p:pic>
+      <p:grpSp>
+        <p:nvGrpSpPr>
+          <p:cNvPr id="11" name="그룹 10">
+            <a:extLst>
+              <a:ext uri="{FF2B5EF4-FFF2-40B4-BE49-F238E27FC236}">
+                <a16:creationId xmlns:a16="http://schemas.microsoft.com/office/drawing/2014/main" id="{ECA3A44C-4F36-423F-961D-F7E2CAF11831}"/>
+              </a:ext>
+            </a:extLst>
+          </p:cNvPr>
+          <p:cNvGrpSpPr/>
+          <p:nvPr/>
+        </p:nvGrpSpPr>
+        <p:grpSpPr>
+          <a:xfrm>
+            <a:off x="1691222" y="2435893"/>
+            <a:ext cx="2160000" cy="730562"/>
+            <a:chOff x="1484749" y="2255492"/>
+            <a:chExt cx="2160000" cy="730562"/>
+          </a:xfrm>
+        </p:grpSpPr>
+        <p:pic>
+          <p:nvPicPr>
+            <p:cNvPr id="9" name="그림 8">
+              <a:extLst>
+                <a:ext uri="{FF2B5EF4-FFF2-40B4-BE49-F238E27FC236}">
+                  <a16:creationId xmlns:a16="http://schemas.microsoft.com/office/drawing/2014/main" id="{ED714BA7-882E-42D5-82E3-BE9D9CEDE8DB}"/>
+                </a:ext>
+              </a:extLst>
+            </p:cNvPr>
+            <p:cNvPicPr>
+              <a:picLocks noChangeAspect="1"/>
+            </p:cNvPicPr>
+            <p:nvPr/>
+          </p:nvPicPr>
+          <p:blipFill>
+            <a:blip r:embed="rId5"/>
+            <a:stretch>
+              <a:fillRect/>
+            </a:stretch>
+          </p:blipFill>
+          <p:spPr>
+            <a:xfrm>
+              <a:off x="1484749" y="2255492"/>
+              <a:ext cx="2160000" cy="720000"/>
+            </a:xfrm>
+            <a:prstGeom prst="rect">
+              <a:avLst/>
+            </a:prstGeom>
+            <a:ln>
+              <a:solidFill>
+                <a:schemeClr val="tx1"/>
+              </a:solidFill>
+            </a:ln>
+          </p:spPr>
+        </p:pic>
+        <p:sp>
+          <p:nvSpPr>
+            <p:cNvPr id="10" name="타원 9">
+              <a:extLst>
+                <a:ext uri="{FF2B5EF4-FFF2-40B4-BE49-F238E27FC236}">
+                  <a16:creationId xmlns:a16="http://schemas.microsoft.com/office/drawing/2014/main" id="{97CFD645-C017-4F25-A375-B413FF5334CD}"/>
+                </a:ext>
+              </a:extLst>
+            </p:cNvPr>
+            <p:cNvSpPr/>
+            <p:nvPr/>
+          </p:nvSpPr>
+          <p:spPr>
+            <a:xfrm>
+              <a:off x="2785212" y="2626054"/>
+              <a:ext cx="180000" cy="360000"/>
+            </a:xfrm>
+            <a:prstGeom prst="ellipse">
+              <a:avLst/>
+            </a:prstGeom>
+            <a:noFill/>
+            <a:ln>
+              <a:solidFill>
+                <a:srgbClr val="FF0000"/>
+              </a:solidFill>
+            </a:ln>
+          </p:spPr>
+          <p:style>
+            <a:lnRef idx="2">
+              <a:schemeClr val="accent1">
+                <a:shade val="50000"/>
+              </a:schemeClr>
+            </a:lnRef>
+            <a:fillRef idx="1">
+              <a:schemeClr val="accent1"/>
+            </a:fillRef>
+            <a:effectRef idx="0">
+              <a:schemeClr val="accent1"/>
+            </a:effectRef>
+            <a:fontRef idx="minor">
+              <a:schemeClr val="lt1"/>
+            </a:fontRef>
+          </p:style>
+          <p:txBody>
+            <a:bodyPr rtlCol="0" anchor="ctr"/>
+            <a:lstStyle/>
+            <a:p>
+              <a:pPr algn="ctr"/>
+              <a:endParaRPr lang="ko-KR" altLang="en-US"/>
+            </a:p>
+          </p:txBody>
+        </p:sp>
+      </p:grpSp>
+      <p:sp>
+        <p:nvSpPr>
+          <p:cNvPr id="13" name="자유형: 도형 12">
+            <a:extLst>
+              <a:ext uri="{FF2B5EF4-FFF2-40B4-BE49-F238E27FC236}">
+                <a16:creationId xmlns:a16="http://schemas.microsoft.com/office/drawing/2014/main" id="{361187CF-1308-4CEE-938A-ADD3CA5073B9}"/>
+              </a:ext>
+            </a:extLst>
+          </p:cNvPr>
+          <p:cNvSpPr/>
+          <p:nvPr/>
+        </p:nvSpPr>
+        <p:spPr>
+          <a:xfrm>
+            <a:off x="4458380" y="936465"/>
+            <a:ext cx="900000" cy="579383"/>
+          </a:xfrm>
+          <a:custGeom>
+            <a:avLst/>
+            <a:gdLst>
+              <a:gd name="connsiteX0" fmla="*/ 0 w 900000"/>
+              <a:gd name="connsiteY0" fmla="*/ 579383 h 579383"/>
+              <a:gd name="connsiteX1" fmla="*/ 124363 w 900000"/>
+              <a:gd name="connsiteY1" fmla="*/ 531593 h 579383"/>
+              <a:gd name="connsiteX2" fmla="*/ 202909 w 900000"/>
+              <a:gd name="connsiteY2" fmla="*/ 436014 h 579383"/>
+              <a:gd name="connsiteX3" fmla="*/ 274909 w 900000"/>
+              <a:gd name="connsiteY3" fmla="*/ 292646 h 579383"/>
+              <a:gd name="connsiteX4" fmla="*/ 340363 w 900000"/>
+              <a:gd name="connsiteY4" fmla="*/ 149277 h 579383"/>
+              <a:gd name="connsiteX5" fmla="*/ 386181 w 900000"/>
+              <a:gd name="connsiteY5" fmla="*/ 44140 h 579383"/>
+              <a:gd name="connsiteX6" fmla="*/ 441818 w 900000"/>
+              <a:gd name="connsiteY6" fmla="*/ 2723 h 579383"/>
+              <a:gd name="connsiteX7" fmla="*/ 490909 w 900000"/>
+              <a:gd name="connsiteY7" fmla="*/ 18652 h 579383"/>
+              <a:gd name="connsiteX8" fmla="*/ 566181 w 900000"/>
+              <a:gd name="connsiteY8" fmla="*/ 136533 h 579383"/>
+              <a:gd name="connsiteX9" fmla="*/ 618545 w 900000"/>
+              <a:gd name="connsiteY9" fmla="*/ 295831 h 579383"/>
+              <a:gd name="connsiteX10" fmla="*/ 687272 w 900000"/>
+              <a:gd name="connsiteY10" fmla="*/ 426456 h 579383"/>
+              <a:gd name="connsiteX11" fmla="*/ 778909 w 900000"/>
+              <a:gd name="connsiteY11" fmla="*/ 537965 h 579383"/>
+              <a:gd name="connsiteX12" fmla="*/ 837817 w 900000"/>
+              <a:gd name="connsiteY12" fmla="*/ 560267 h 579383"/>
+              <a:gd name="connsiteX13" fmla="*/ 900000 w 900000"/>
+              <a:gd name="connsiteY13" fmla="*/ 573010 h 579383"/>
+            </a:gdLst>
+            <a:ahLst/>
+            <a:cxnLst>
+              <a:cxn ang="0">
+                <a:pos x="connsiteX0" y="connsiteY0"/>
+              </a:cxn>
+              <a:cxn ang="0">
+                <a:pos x="connsiteX1" y="connsiteY1"/>
+              </a:cxn>
+              <a:cxn ang="0">
+                <a:pos x="connsiteX2" y="connsiteY2"/>
+              </a:cxn>
+              <a:cxn ang="0">
+                <a:pos x="connsiteX3" y="connsiteY3"/>
+              </a:cxn>
+              <a:cxn ang="0">
+                <a:pos x="connsiteX4" y="connsiteY4"/>
+              </a:cxn>
+              <a:cxn ang="0">
+                <a:pos x="connsiteX5" y="connsiteY5"/>
+              </a:cxn>
+              <a:cxn ang="0">
+                <a:pos x="connsiteX6" y="connsiteY6"/>
+              </a:cxn>
+              <a:cxn ang="0">
+                <a:pos x="connsiteX7" y="connsiteY7"/>
+              </a:cxn>
+              <a:cxn ang="0">
+                <a:pos x="connsiteX8" y="connsiteY8"/>
+              </a:cxn>
+              <a:cxn ang="0">
+                <a:pos x="connsiteX9" y="connsiteY9"/>
+              </a:cxn>
+              <a:cxn ang="0">
+                <a:pos x="connsiteX10" y="connsiteY10"/>
+              </a:cxn>
+              <a:cxn ang="0">
+                <a:pos x="connsiteX11" y="connsiteY11"/>
+              </a:cxn>
+              <a:cxn ang="0">
+                <a:pos x="connsiteX12" y="connsiteY12"/>
+              </a:cxn>
+              <a:cxn ang="0">
+                <a:pos x="connsiteX13" y="connsiteY13"/>
+              </a:cxn>
+            </a:cxnLst>
+            <a:rect l="l" t="t" r="r" b="b"/>
+            <a:pathLst>
+              <a:path w="900000" h="579383" extrusionOk="0">
+                <a:moveTo>
+                  <a:pt x="0" y="579383"/>
+                </a:moveTo>
+                <a:cubicBezTo>
+                  <a:pt x="37813" y="568374"/>
+                  <a:pt x="86605" y="557325"/>
+                  <a:pt x="124363" y="531593"/>
+                </a:cubicBezTo>
+                <a:cubicBezTo>
+                  <a:pt x="158906" y="508409"/>
+                  <a:pt x="182738" y="473110"/>
+                  <a:pt x="202909" y="436014"/>
+                </a:cubicBezTo>
+                <a:cubicBezTo>
+                  <a:pt x="226105" y="396104"/>
+                  <a:pt x="255069" y="339407"/>
+                  <a:pt x="274909" y="292646"/>
+                </a:cubicBezTo>
+                <a:cubicBezTo>
+                  <a:pt x="297400" y="243484"/>
+                  <a:pt x="323764" y="192505"/>
+                  <a:pt x="340363" y="149277"/>
+                </a:cubicBezTo>
+                <a:cubicBezTo>
+                  <a:pt x="357870" y="107308"/>
+                  <a:pt x="368995" y="64504"/>
+                  <a:pt x="386181" y="44140"/>
+                </a:cubicBezTo>
+                <a:cubicBezTo>
+                  <a:pt x="402828" y="16908"/>
+                  <a:pt x="424061" y="9245"/>
+                  <a:pt x="441818" y="2723"/>
+                </a:cubicBezTo>
+                <a:cubicBezTo>
+                  <a:pt x="460470" y="-1792"/>
+                  <a:pt x="470897" y="-3237"/>
+                  <a:pt x="490909" y="18652"/>
+                </a:cubicBezTo>
+                <a:cubicBezTo>
+                  <a:pt x="506507" y="33596"/>
+                  <a:pt x="535724" y="91280"/>
+                  <a:pt x="566181" y="136533"/>
+                </a:cubicBezTo>
+                <a:cubicBezTo>
+                  <a:pt x="584384" y="178259"/>
+                  <a:pt x="603953" y="249286"/>
+                  <a:pt x="618545" y="295831"/>
+                </a:cubicBezTo>
+                <a:cubicBezTo>
+                  <a:pt x="634537" y="337143"/>
+                  <a:pt x="669110" y="383889"/>
+                  <a:pt x="687272" y="426456"/>
+                </a:cubicBezTo>
+                <a:cubicBezTo>
+                  <a:pt x="719256" y="467676"/>
+                  <a:pt x="753094" y="520824"/>
+                  <a:pt x="778909" y="537965"/>
+                </a:cubicBezTo>
+                <a:cubicBezTo>
+                  <a:pt x="805117" y="559209"/>
+                  <a:pt x="819522" y="553552"/>
+                  <a:pt x="837817" y="560267"/>
+                </a:cubicBezTo>
+                <a:cubicBezTo>
+                  <a:pt x="857687" y="562135"/>
+                  <a:pt x="878250" y="573531"/>
+                  <a:pt x="900000" y="573010"/>
+                </a:cubicBezTo>
+              </a:path>
+            </a:pathLst>
+          </a:custGeom>
+          <a:noFill/>
+          <a:ln w="19050">
+            <a:solidFill>
+              <a:schemeClr val="tx1"/>
+            </a:solidFill>
+            <a:extLst>
+              <a:ext uri="{C807C97D-BFC1-408E-A445-0C87EB9F89A2}">
+                <ask:lineSketchStyleProps xmlns:ask="http://schemas.microsoft.com/office/drawing/2018/sketchyshapes" sd="3705000160">
+                  <a:custGeom>
+                    <a:avLst/>
+                    <a:gdLst>
+                      <a:gd name="connsiteX0" fmla="*/ 0 w 2167759"/>
+                      <a:gd name="connsiteY0" fmla="*/ 1433517 h 1433517"/>
+                      <a:gd name="connsiteX1" fmla="*/ 299545 w 2167759"/>
+                      <a:gd name="connsiteY1" fmla="*/ 1315276 h 1433517"/>
+                      <a:gd name="connsiteX2" fmla="*/ 488731 w 2167759"/>
+                      <a:gd name="connsiteY2" fmla="*/ 1078793 h 1433517"/>
+                      <a:gd name="connsiteX3" fmla="*/ 662152 w 2167759"/>
+                      <a:gd name="connsiteY3" fmla="*/ 724069 h 1433517"/>
+                      <a:gd name="connsiteX4" fmla="*/ 819807 w 2167759"/>
+                      <a:gd name="connsiteY4" fmla="*/ 369344 h 1433517"/>
+                      <a:gd name="connsiteX5" fmla="*/ 930166 w 2167759"/>
+                      <a:gd name="connsiteY5" fmla="*/ 109213 h 1433517"/>
+                      <a:gd name="connsiteX6" fmla="*/ 1064173 w 2167759"/>
+                      <a:gd name="connsiteY6" fmla="*/ 6738 h 1433517"/>
+                      <a:gd name="connsiteX7" fmla="*/ 1182414 w 2167759"/>
+                      <a:gd name="connsiteY7" fmla="*/ 46151 h 1433517"/>
+                      <a:gd name="connsiteX8" fmla="*/ 1363717 w 2167759"/>
+                      <a:gd name="connsiteY8" fmla="*/ 337813 h 1433517"/>
+                      <a:gd name="connsiteX9" fmla="*/ 1489841 w 2167759"/>
+                      <a:gd name="connsiteY9" fmla="*/ 731951 h 1433517"/>
+                      <a:gd name="connsiteX10" fmla="*/ 1655379 w 2167759"/>
+                      <a:gd name="connsiteY10" fmla="*/ 1055144 h 1433517"/>
+                      <a:gd name="connsiteX11" fmla="*/ 1876097 w 2167759"/>
+                      <a:gd name="connsiteY11" fmla="*/ 1331041 h 1433517"/>
+                      <a:gd name="connsiteX12" fmla="*/ 2017986 w 2167759"/>
+                      <a:gd name="connsiteY12" fmla="*/ 1386220 h 1433517"/>
+                      <a:gd name="connsiteX13" fmla="*/ 2167759 w 2167759"/>
+                      <a:gd name="connsiteY13" fmla="*/ 1417751 h 1433517"/>
+                    </a:gdLst>
+                    <a:ahLst/>
+                    <a:cxnLst>
+                      <a:cxn ang="0">
+                        <a:pos x="connsiteX0" y="connsiteY0"/>
+                      </a:cxn>
+                      <a:cxn ang="0">
+                        <a:pos x="connsiteX1" y="connsiteY1"/>
+                      </a:cxn>
+                      <a:cxn ang="0">
+                        <a:pos x="connsiteX2" y="connsiteY2"/>
+                      </a:cxn>
+                      <a:cxn ang="0">
+                        <a:pos x="connsiteX3" y="connsiteY3"/>
+                      </a:cxn>
+                      <a:cxn ang="0">
+                        <a:pos x="connsiteX4" y="connsiteY4"/>
+                      </a:cxn>
+                      <a:cxn ang="0">
+                        <a:pos x="connsiteX5" y="connsiteY5"/>
+                      </a:cxn>
+                      <a:cxn ang="0">
+                        <a:pos x="connsiteX6" y="connsiteY6"/>
+                      </a:cxn>
+                      <a:cxn ang="0">
+                        <a:pos x="connsiteX7" y="connsiteY7"/>
+                      </a:cxn>
+                      <a:cxn ang="0">
+                        <a:pos x="connsiteX8" y="connsiteY8"/>
+                      </a:cxn>
+                      <a:cxn ang="0">
+                        <a:pos x="connsiteX9" y="connsiteY9"/>
+                      </a:cxn>
+                      <a:cxn ang="0">
+                        <a:pos x="connsiteX10" y="connsiteY10"/>
+                      </a:cxn>
+                      <a:cxn ang="0">
+                        <a:pos x="connsiteX11" y="connsiteY11"/>
+                      </a:cxn>
+                      <a:cxn ang="0">
+                        <a:pos x="connsiteX12" y="connsiteY12"/>
+                      </a:cxn>
+                      <a:cxn ang="0">
+                        <a:pos x="connsiteX13" y="connsiteY13"/>
+                      </a:cxn>
+                    </a:cxnLst>
+                    <a:rect l="l" t="t" r="r" b="b"/>
+                    <a:pathLst>
+                      <a:path w="2167759" h="1433517">
+                        <a:moveTo>
+                          <a:pt x="0" y="1433517"/>
+                        </a:moveTo>
+                        <a:cubicBezTo>
+                          <a:pt x="109045" y="1403957"/>
+                          <a:pt x="218090" y="1374397"/>
+                          <a:pt x="299545" y="1315276"/>
+                        </a:cubicBezTo>
+                        <a:cubicBezTo>
+                          <a:pt x="381000" y="1256155"/>
+                          <a:pt x="428297" y="1177327"/>
+                          <a:pt x="488731" y="1078793"/>
+                        </a:cubicBezTo>
+                        <a:cubicBezTo>
+                          <a:pt x="549165" y="980259"/>
+                          <a:pt x="606973" y="842310"/>
+                          <a:pt x="662152" y="724069"/>
+                        </a:cubicBezTo>
+                        <a:cubicBezTo>
+                          <a:pt x="717331" y="605828"/>
+                          <a:pt x="775138" y="471820"/>
+                          <a:pt x="819807" y="369344"/>
+                        </a:cubicBezTo>
+                        <a:cubicBezTo>
+                          <a:pt x="864476" y="266868"/>
+                          <a:pt x="889438" y="169647"/>
+                          <a:pt x="930166" y="109213"/>
+                        </a:cubicBezTo>
+                        <a:cubicBezTo>
+                          <a:pt x="970894" y="48779"/>
+                          <a:pt x="1022132" y="17248"/>
+                          <a:pt x="1064173" y="6738"/>
+                        </a:cubicBezTo>
+                        <a:cubicBezTo>
+                          <a:pt x="1106214" y="-3772"/>
+                          <a:pt x="1132490" y="-9028"/>
+                          <a:pt x="1182414" y="46151"/>
+                        </a:cubicBezTo>
+                        <a:cubicBezTo>
+                          <a:pt x="1232338" y="101330"/>
+                          <a:pt x="1312479" y="223513"/>
+                          <a:pt x="1363717" y="337813"/>
+                        </a:cubicBezTo>
+                        <a:cubicBezTo>
+                          <a:pt x="1414955" y="452113"/>
+                          <a:pt x="1441231" y="612396"/>
+                          <a:pt x="1489841" y="731951"/>
+                        </a:cubicBezTo>
+                        <a:cubicBezTo>
+                          <a:pt x="1538451" y="851506"/>
+                          <a:pt x="1591003" y="955296"/>
+                          <a:pt x="1655379" y="1055144"/>
+                        </a:cubicBezTo>
+                        <a:cubicBezTo>
+                          <a:pt x="1719755" y="1154992"/>
+                          <a:pt x="1815663" y="1275862"/>
+                          <a:pt x="1876097" y="1331041"/>
+                        </a:cubicBezTo>
+                        <a:cubicBezTo>
+                          <a:pt x="1936532" y="1386220"/>
+                          <a:pt x="1969376" y="1371768"/>
+                          <a:pt x="2017986" y="1386220"/>
+                        </a:cubicBezTo>
+                        <a:cubicBezTo>
+                          <a:pt x="2066596" y="1400672"/>
+                          <a:pt x="2117177" y="1409211"/>
+                          <a:pt x="2167759" y="1417751"/>
+                        </a:cubicBezTo>
+                      </a:path>
+                    </a:pathLst>
+                  </a:custGeom>
+                  <ask:type>
+                    <ask:lineSketchCurved/>
+                  </ask:type>
+                </ask:lineSketchStyleProps>
+              </a:ext>
+            </a:extLst>
+          </a:ln>
+        </p:spPr>
+        <p:style>
+          <a:lnRef idx="2">
+            <a:schemeClr val="accent1">
+              <a:shade val="50000"/>
+            </a:schemeClr>
+          </a:lnRef>
+          <a:fillRef idx="1">
+            <a:schemeClr val="accent1"/>
+          </a:fillRef>
+          <a:effectRef idx="0">
+            <a:schemeClr val="accent1"/>
+          </a:effectRef>
+          <a:fontRef idx="minor">
+            <a:schemeClr val="lt1"/>
+          </a:fontRef>
+        </p:style>
+        <p:txBody>
+          <a:bodyPr rtlCol="0" anchor="ctr"/>
+          <a:lstStyle/>
+          <a:p>
+            <a:pPr algn="ctr"/>
+            <a:endParaRPr lang="ko-KR" altLang="en-US"/>
+          </a:p>
+        </p:txBody>
+      </p:sp>
+      <p:sp>
+        <p:nvSpPr>
+          <p:cNvPr id="14" name="자유형: 도형 13">
+            <a:extLst>
+              <a:ext uri="{FF2B5EF4-FFF2-40B4-BE49-F238E27FC236}">
+                <a16:creationId xmlns:a16="http://schemas.microsoft.com/office/drawing/2014/main" id="{13ECF1C2-0ACB-473C-8A93-6497DCC9E01E}"/>
+              </a:ext>
+            </a:extLst>
+          </p:cNvPr>
+          <p:cNvSpPr/>
+          <p:nvPr/>
+        </p:nvSpPr>
+        <p:spPr>
+          <a:xfrm>
+            <a:off x="4188380" y="936464"/>
+            <a:ext cx="1440000" cy="579383"/>
+          </a:xfrm>
+          <a:custGeom>
+            <a:avLst/>
+            <a:gdLst>
+              <a:gd name="connsiteX0" fmla="*/ 0 w 1440000"/>
+              <a:gd name="connsiteY0" fmla="*/ 579383 h 579383"/>
+              <a:gd name="connsiteX1" fmla="*/ 198981 w 1440000"/>
+              <a:gd name="connsiteY1" fmla="*/ 531593 h 579383"/>
+              <a:gd name="connsiteX2" fmla="*/ 324654 w 1440000"/>
+              <a:gd name="connsiteY2" fmla="*/ 436014 h 579383"/>
+              <a:gd name="connsiteX3" fmla="*/ 439854 w 1440000"/>
+              <a:gd name="connsiteY3" fmla="*/ 292646 h 579383"/>
+              <a:gd name="connsiteX4" fmla="*/ 544581 w 1440000"/>
+              <a:gd name="connsiteY4" fmla="*/ 149277 h 579383"/>
+              <a:gd name="connsiteX5" fmla="*/ 617891 w 1440000"/>
+              <a:gd name="connsiteY5" fmla="*/ 44140 h 579383"/>
+              <a:gd name="connsiteX6" fmla="*/ 706909 w 1440000"/>
+              <a:gd name="connsiteY6" fmla="*/ 2723 h 579383"/>
+              <a:gd name="connsiteX7" fmla="*/ 785454 w 1440000"/>
+              <a:gd name="connsiteY7" fmla="*/ 18652 h 579383"/>
+              <a:gd name="connsiteX8" fmla="*/ 905890 w 1440000"/>
+              <a:gd name="connsiteY8" fmla="*/ 136533 h 579383"/>
+              <a:gd name="connsiteX9" fmla="*/ 989672 w 1440000"/>
+              <a:gd name="connsiteY9" fmla="*/ 295831 h 579383"/>
+              <a:gd name="connsiteX10" fmla="*/ 1099635 w 1440000"/>
+              <a:gd name="connsiteY10" fmla="*/ 426456 h 579383"/>
+              <a:gd name="connsiteX11" fmla="*/ 1246254 w 1440000"/>
+              <a:gd name="connsiteY11" fmla="*/ 537965 h 579383"/>
+              <a:gd name="connsiteX12" fmla="*/ 1340508 w 1440000"/>
+              <a:gd name="connsiteY12" fmla="*/ 560267 h 579383"/>
+              <a:gd name="connsiteX13" fmla="*/ 1440000 w 1440000"/>
+              <a:gd name="connsiteY13" fmla="*/ 573010 h 579383"/>
+            </a:gdLst>
+            <a:ahLst/>
+            <a:cxnLst>
+              <a:cxn ang="0">
+                <a:pos x="connsiteX0" y="connsiteY0"/>
+              </a:cxn>
+              <a:cxn ang="0">
+                <a:pos x="connsiteX1" y="connsiteY1"/>
+              </a:cxn>
+              <a:cxn ang="0">
+                <a:pos x="connsiteX2" y="connsiteY2"/>
+              </a:cxn>
+              <a:cxn ang="0">
+                <a:pos x="connsiteX3" y="connsiteY3"/>
+              </a:cxn>
+              <a:cxn ang="0">
+                <a:pos x="connsiteX4" y="connsiteY4"/>
+              </a:cxn>
+              <a:cxn ang="0">
+                <a:pos x="connsiteX5" y="connsiteY5"/>
+              </a:cxn>
+              <a:cxn ang="0">
+                <a:pos x="connsiteX6" y="connsiteY6"/>
+              </a:cxn>
+              <a:cxn ang="0">
+                <a:pos x="connsiteX7" y="connsiteY7"/>
+              </a:cxn>
+              <a:cxn ang="0">
+                <a:pos x="connsiteX8" y="connsiteY8"/>
+              </a:cxn>
+              <a:cxn ang="0">
+                <a:pos x="connsiteX9" y="connsiteY9"/>
+              </a:cxn>
+              <a:cxn ang="0">
+                <a:pos x="connsiteX10" y="connsiteY10"/>
+              </a:cxn>
+              <a:cxn ang="0">
+                <a:pos x="connsiteX11" y="connsiteY11"/>
+              </a:cxn>
+              <a:cxn ang="0">
+                <a:pos x="connsiteX12" y="connsiteY12"/>
+              </a:cxn>
+              <a:cxn ang="0">
+                <a:pos x="connsiteX13" y="connsiteY13"/>
+              </a:cxn>
+            </a:cxnLst>
+            <a:rect l="l" t="t" r="r" b="b"/>
+            <a:pathLst>
+              <a:path w="1440000" h="579383" extrusionOk="0">
+                <a:moveTo>
+                  <a:pt x="0" y="579383"/>
+                </a:moveTo>
+                <a:cubicBezTo>
+                  <a:pt x="71087" y="567605"/>
+                  <a:pt x="137982" y="558700"/>
+                  <a:pt x="198981" y="531593"/>
+                </a:cubicBezTo>
+                <a:cubicBezTo>
+                  <a:pt x="254599" y="509178"/>
+                  <a:pt x="286126" y="474941"/>
+                  <a:pt x="324654" y="436014"/>
+                </a:cubicBezTo>
+                <a:cubicBezTo>
+                  <a:pt x="354434" y="395719"/>
+                  <a:pt x="412729" y="337243"/>
+                  <a:pt x="439854" y="292646"/>
+                </a:cubicBezTo>
+                <a:cubicBezTo>
+                  <a:pt x="473693" y="235610"/>
+                  <a:pt x="521729" y="197041"/>
+                  <a:pt x="544581" y="149277"/>
+                </a:cubicBezTo>
+                <a:cubicBezTo>
+                  <a:pt x="568739" y="104936"/>
+                  <a:pt x="590465" y="63113"/>
+                  <a:pt x="617891" y="44140"/>
+                </a:cubicBezTo>
+                <a:cubicBezTo>
+                  <a:pt x="644473" y="14666"/>
+                  <a:pt x="678510" y="10519"/>
+                  <a:pt x="706909" y="2723"/>
+                </a:cubicBezTo>
+                <a:cubicBezTo>
+                  <a:pt x="735393" y="-1649"/>
+                  <a:pt x="753951" y="-2695"/>
+                  <a:pt x="785454" y="18652"/>
+                </a:cubicBezTo>
+                <a:cubicBezTo>
+                  <a:pt x="816828" y="38386"/>
+                  <a:pt x="868419" y="90690"/>
+                  <a:pt x="905890" y="136533"/>
+                </a:cubicBezTo>
+                <a:cubicBezTo>
+                  <a:pt x="937817" y="179659"/>
+                  <a:pt x="961060" y="248679"/>
+                  <a:pt x="989672" y="295831"/>
+                </a:cubicBezTo>
+                <a:cubicBezTo>
+                  <a:pt x="1020341" y="341440"/>
+                  <a:pt x="1059793" y="385346"/>
+                  <a:pt x="1099635" y="426456"/>
+                </a:cubicBezTo>
+                <a:cubicBezTo>
+                  <a:pt x="1146400" y="467469"/>
+                  <a:pt x="1205249" y="521794"/>
+                  <a:pt x="1246254" y="537965"/>
+                </a:cubicBezTo>
+                <a:cubicBezTo>
+                  <a:pt x="1288660" y="558127"/>
+                  <a:pt x="1312040" y="552655"/>
+                  <a:pt x="1340508" y="560267"/>
+                </a:cubicBezTo>
+                <a:cubicBezTo>
+                  <a:pt x="1372750" y="565479"/>
+                  <a:pt x="1405364" y="575046"/>
+                  <a:pt x="1440000" y="573010"/>
+                </a:cubicBezTo>
+              </a:path>
+            </a:pathLst>
+          </a:custGeom>
+          <a:noFill/>
+          <a:ln w="19050">
+            <a:solidFill>
+              <a:srgbClr val="0070C0"/>
+            </a:solidFill>
+            <a:extLst>
+              <a:ext uri="{C807C97D-BFC1-408E-A445-0C87EB9F89A2}">
+                <ask:lineSketchStyleProps xmlns:ask="http://schemas.microsoft.com/office/drawing/2018/sketchyshapes" sd="3705000160">
+                  <a:custGeom>
+                    <a:avLst/>
+                    <a:gdLst>
+                      <a:gd name="connsiteX0" fmla="*/ 0 w 2167759"/>
+                      <a:gd name="connsiteY0" fmla="*/ 1433517 h 1433517"/>
+                      <a:gd name="connsiteX1" fmla="*/ 299545 w 2167759"/>
+                      <a:gd name="connsiteY1" fmla="*/ 1315276 h 1433517"/>
+                      <a:gd name="connsiteX2" fmla="*/ 488731 w 2167759"/>
+                      <a:gd name="connsiteY2" fmla="*/ 1078793 h 1433517"/>
+                      <a:gd name="connsiteX3" fmla="*/ 662152 w 2167759"/>
+                      <a:gd name="connsiteY3" fmla="*/ 724069 h 1433517"/>
+                      <a:gd name="connsiteX4" fmla="*/ 819807 w 2167759"/>
+                      <a:gd name="connsiteY4" fmla="*/ 369344 h 1433517"/>
+                      <a:gd name="connsiteX5" fmla="*/ 930166 w 2167759"/>
+                      <a:gd name="connsiteY5" fmla="*/ 109213 h 1433517"/>
+                      <a:gd name="connsiteX6" fmla="*/ 1064173 w 2167759"/>
+                      <a:gd name="connsiteY6" fmla="*/ 6738 h 1433517"/>
+                      <a:gd name="connsiteX7" fmla="*/ 1182414 w 2167759"/>
+                      <a:gd name="connsiteY7" fmla="*/ 46151 h 1433517"/>
+                      <a:gd name="connsiteX8" fmla="*/ 1363717 w 2167759"/>
+                      <a:gd name="connsiteY8" fmla="*/ 337813 h 1433517"/>
+                      <a:gd name="connsiteX9" fmla="*/ 1489841 w 2167759"/>
+                      <a:gd name="connsiteY9" fmla="*/ 731951 h 1433517"/>
+                      <a:gd name="connsiteX10" fmla="*/ 1655379 w 2167759"/>
+                      <a:gd name="connsiteY10" fmla="*/ 1055144 h 1433517"/>
+                      <a:gd name="connsiteX11" fmla="*/ 1876097 w 2167759"/>
+                      <a:gd name="connsiteY11" fmla="*/ 1331041 h 1433517"/>
+                      <a:gd name="connsiteX12" fmla="*/ 2017986 w 2167759"/>
+                      <a:gd name="connsiteY12" fmla="*/ 1386220 h 1433517"/>
+                      <a:gd name="connsiteX13" fmla="*/ 2167759 w 2167759"/>
+                      <a:gd name="connsiteY13" fmla="*/ 1417751 h 1433517"/>
+                    </a:gdLst>
+                    <a:ahLst/>
+                    <a:cxnLst>
+                      <a:cxn ang="0">
+                        <a:pos x="connsiteX0" y="connsiteY0"/>
+                      </a:cxn>
+                      <a:cxn ang="0">
+                        <a:pos x="connsiteX1" y="connsiteY1"/>
+                      </a:cxn>
+                      <a:cxn ang="0">
+                        <a:pos x="connsiteX2" y="connsiteY2"/>
+                      </a:cxn>
+                      <a:cxn ang="0">
+                        <a:pos x="connsiteX3" y="connsiteY3"/>
+                      </a:cxn>
+                      <a:cxn ang="0">
+                        <a:pos x="connsiteX4" y="connsiteY4"/>
+                      </a:cxn>
+                      <a:cxn ang="0">
+                        <a:pos x="connsiteX5" y="connsiteY5"/>
+                      </a:cxn>
+                      <a:cxn ang="0">
+                        <a:pos x="connsiteX6" y="connsiteY6"/>
+                      </a:cxn>
+                      <a:cxn ang="0">
+                        <a:pos x="connsiteX7" y="connsiteY7"/>
+                      </a:cxn>
+                      <a:cxn ang="0">
+                        <a:pos x="connsiteX8" y="connsiteY8"/>
+                      </a:cxn>
+                      <a:cxn ang="0">
+                        <a:pos x="connsiteX9" y="connsiteY9"/>
+                      </a:cxn>
+                      <a:cxn ang="0">
+                        <a:pos x="connsiteX10" y="connsiteY10"/>
+                      </a:cxn>
+                      <a:cxn ang="0">
+                        <a:pos x="connsiteX11" y="connsiteY11"/>
+                      </a:cxn>
+                      <a:cxn ang="0">
+                        <a:pos x="connsiteX12" y="connsiteY12"/>
+                      </a:cxn>
+                      <a:cxn ang="0">
+                        <a:pos x="connsiteX13" y="connsiteY13"/>
+                      </a:cxn>
+                    </a:cxnLst>
+                    <a:rect l="l" t="t" r="r" b="b"/>
+                    <a:pathLst>
+                      <a:path w="2167759" h="1433517">
+                        <a:moveTo>
+                          <a:pt x="0" y="1433517"/>
+                        </a:moveTo>
+                        <a:cubicBezTo>
+                          <a:pt x="109045" y="1403957"/>
+                          <a:pt x="218090" y="1374397"/>
+                          <a:pt x="299545" y="1315276"/>
+                        </a:cubicBezTo>
+                        <a:cubicBezTo>
+                          <a:pt x="381000" y="1256155"/>
+                          <a:pt x="428297" y="1177327"/>
+                          <a:pt x="488731" y="1078793"/>
+                        </a:cubicBezTo>
+                        <a:cubicBezTo>
+                          <a:pt x="549165" y="980259"/>
+                          <a:pt x="606973" y="842310"/>
+                          <a:pt x="662152" y="724069"/>
+                        </a:cubicBezTo>
+                        <a:cubicBezTo>
+                          <a:pt x="717331" y="605828"/>
+                          <a:pt x="775138" y="471820"/>
+                          <a:pt x="819807" y="369344"/>
+                        </a:cubicBezTo>
+                        <a:cubicBezTo>
+                          <a:pt x="864476" y="266868"/>
+                          <a:pt x="889438" y="169647"/>
+                          <a:pt x="930166" y="109213"/>
+                        </a:cubicBezTo>
+                        <a:cubicBezTo>
+                          <a:pt x="970894" y="48779"/>
+                          <a:pt x="1022132" y="17248"/>
+                          <a:pt x="1064173" y="6738"/>
+                        </a:cubicBezTo>
+                        <a:cubicBezTo>
+                          <a:pt x="1106214" y="-3772"/>
+                          <a:pt x="1132490" y="-9028"/>
+                          <a:pt x="1182414" y="46151"/>
+                        </a:cubicBezTo>
+                        <a:cubicBezTo>
+                          <a:pt x="1232338" y="101330"/>
+                          <a:pt x="1312479" y="223513"/>
+                          <a:pt x="1363717" y="337813"/>
+                        </a:cubicBezTo>
+                        <a:cubicBezTo>
+                          <a:pt x="1414955" y="452113"/>
+                          <a:pt x="1441231" y="612396"/>
+                          <a:pt x="1489841" y="731951"/>
+                        </a:cubicBezTo>
+                        <a:cubicBezTo>
+                          <a:pt x="1538451" y="851506"/>
+                          <a:pt x="1591003" y="955296"/>
+                          <a:pt x="1655379" y="1055144"/>
+                        </a:cubicBezTo>
+                        <a:cubicBezTo>
+                          <a:pt x="1719755" y="1154992"/>
+                          <a:pt x="1815663" y="1275862"/>
+                          <a:pt x="1876097" y="1331041"/>
+                        </a:cubicBezTo>
+                        <a:cubicBezTo>
+                          <a:pt x="1936532" y="1386220"/>
+                          <a:pt x="1969376" y="1371768"/>
+                          <a:pt x="2017986" y="1386220"/>
+                        </a:cubicBezTo>
+                        <a:cubicBezTo>
+                          <a:pt x="2066596" y="1400672"/>
+                          <a:pt x="2117177" y="1409211"/>
+                          <a:pt x="2167759" y="1417751"/>
+                        </a:cubicBezTo>
+                      </a:path>
+                    </a:pathLst>
+                  </a:custGeom>
+                  <ask:type>
+                    <ask:lineSketchCurved/>
+                  </ask:type>
+                </ask:lineSketchStyleProps>
+              </a:ext>
+            </a:extLst>
+          </a:ln>
+        </p:spPr>
+        <p:style>
+          <a:lnRef idx="2">
+            <a:schemeClr val="accent1">
+              <a:shade val="50000"/>
+            </a:schemeClr>
+          </a:lnRef>
+          <a:fillRef idx="1">
+            <a:schemeClr val="accent1"/>
+          </a:fillRef>
+          <a:effectRef idx="0">
+            <a:schemeClr val="accent1"/>
+          </a:effectRef>
+          <a:fontRef idx="minor">
+            <a:schemeClr val="lt1"/>
+          </a:fontRef>
+        </p:style>
+        <p:txBody>
+          <a:bodyPr rtlCol="0" anchor="ctr"/>
+          <a:lstStyle/>
+          <a:p>
+            <a:pPr algn="ctr"/>
+            <a:endParaRPr lang="ko-KR" altLang="en-US"/>
+          </a:p>
+        </p:txBody>
+      </p:sp>
+      <p:pic>
+        <p:nvPicPr>
+          <p:cNvPr id="16" name="그림 15">
+            <a:extLst>
+              <a:ext uri="{FF2B5EF4-FFF2-40B4-BE49-F238E27FC236}">
+                <a16:creationId xmlns:a16="http://schemas.microsoft.com/office/drawing/2014/main" id="{AE6935D5-85CB-40F5-9C4C-EB2A643C2FFD}"/>
+              </a:ext>
+            </a:extLst>
+          </p:cNvPr>
+          <p:cNvPicPr>
+            <a:picLocks noChangeAspect="1"/>
+          </p:cNvPicPr>
+          <p:nvPr/>
+        </p:nvPicPr>
+        <p:blipFill>
+          <a:blip r:embed="rId6"/>
+          <a:stretch>
+            <a:fillRect/>
+          </a:stretch>
+        </p:blipFill>
+        <p:spPr>
+          <a:xfrm>
+            <a:off x="971222" y="3429000"/>
+            <a:ext cx="3600000" cy="2007392"/>
+          </a:xfrm>
+          <a:prstGeom prst="rect">
+            <a:avLst/>
+          </a:prstGeom>
+        </p:spPr>
+      </p:pic>
+      <p:sp>
+        <p:nvSpPr>
+          <p:cNvPr id="17" name="자유형: 도형 16">
+            <a:extLst>
+              <a:ext uri="{FF2B5EF4-FFF2-40B4-BE49-F238E27FC236}">
+                <a16:creationId xmlns:a16="http://schemas.microsoft.com/office/drawing/2014/main" id="{8D207827-1194-43AC-A006-D7448CE66BE7}"/>
+              </a:ext>
+            </a:extLst>
+          </p:cNvPr>
+          <p:cNvSpPr/>
+          <p:nvPr/>
+        </p:nvSpPr>
+        <p:spPr>
+          <a:xfrm>
+            <a:off x="4477932" y="1515848"/>
+            <a:ext cx="900000" cy="579383"/>
+          </a:xfrm>
+          <a:custGeom>
+            <a:avLst/>
+            <a:gdLst>
+              <a:gd name="connsiteX0" fmla="*/ 0 w 900000"/>
+              <a:gd name="connsiteY0" fmla="*/ 579383 h 579383"/>
+              <a:gd name="connsiteX1" fmla="*/ 124363 w 900000"/>
+              <a:gd name="connsiteY1" fmla="*/ 531593 h 579383"/>
+              <a:gd name="connsiteX2" fmla="*/ 202909 w 900000"/>
+              <a:gd name="connsiteY2" fmla="*/ 436014 h 579383"/>
+              <a:gd name="connsiteX3" fmla="*/ 274909 w 900000"/>
+              <a:gd name="connsiteY3" fmla="*/ 292646 h 579383"/>
+              <a:gd name="connsiteX4" fmla="*/ 340363 w 900000"/>
+              <a:gd name="connsiteY4" fmla="*/ 149277 h 579383"/>
+              <a:gd name="connsiteX5" fmla="*/ 386181 w 900000"/>
+              <a:gd name="connsiteY5" fmla="*/ 44140 h 579383"/>
+              <a:gd name="connsiteX6" fmla="*/ 441818 w 900000"/>
+              <a:gd name="connsiteY6" fmla="*/ 2723 h 579383"/>
+              <a:gd name="connsiteX7" fmla="*/ 490909 w 900000"/>
+              <a:gd name="connsiteY7" fmla="*/ 18652 h 579383"/>
+              <a:gd name="connsiteX8" fmla="*/ 566181 w 900000"/>
+              <a:gd name="connsiteY8" fmla="*/ 136533 h 579383"/>
+              <a:gd name="connsiteX9" fmla="*/ 618545 w 900000"/>
+              <a:gd name="connsiteY9" fmla="*/ 295831 h 579383"/>
+              <a:gd name="connsiteX10" fmla="*/ 687272 w 900000"/>
+              <a:gd name="connsiteY10" fmla="*/ 426456 h 579383"/>
+              <a:gd name="connsiteX11" fmla="*/ 778909 w 900000"/>
+              <a:gd name="connsiteY11" fmla="*/ 537965 h 579383"/>
+              <a:gd name="connsiteX12" fmla="*/ 837817 w 900000"/>
+              <a:gd name="connsiteY12" fmla="*/ 560267 h 579383"/>
+              <a:gd name="connsiteX13" fmla="*/ 900000 w 900000"/>
+              <a:gd name="connsiteY13" fmla="*/ 573010 h 579383"/>
+            </a:gdLst>
+            <a:ahLst/>
+            <a:cxnLst>
+              <a:cxn ang="0">
+                <a:pos x="connsiteX0" y="connsiteY0"/>
+              </a:cxn>
+              <a:cxn ang="0">
+                <a:pos x="connsiteX1" y="connsiteY1"/>
+              </a:cxn>
+              <a:cxn ang="0">
+                <a:pos x="connsiteX2" y="connsiteY2"/>
+              </a:cxn>
+              <a:cxn ang="0">
+                <a:pos x="connsiteX3" y="connsiteY3"/>
+              </a:cxn>
+              <a:cxn ang="0">
+                <a:pos x="connsiteX4" y="connsiteY4"/>
+              </a:cxn>
+              <a:cxn ang="0">
+                <a:pos x="connsiteX5" y="connsiteY5"/>
+              </a:cxn>
+              <a:cxn ang="0">
+                <a:pos x="connsiteX6" y="connsiteY6"/>
+              </a:cxn>
+              <a:cxn ang="0">
+                <a:pos x="connsiteX7" y="connsiteY7"/>
+              </a:cxn>
+              <a:cxn ang="0">
+                <a:pos x="connsiteX8" y="connsiteY8"/>
+              </a:cxn>
+              <a:cxn ang="0">
+                <a:pos x="connsiteX9" y="connsiteY9"/>
+              </a:cxn>
+              <a:cxn ang="0">
+                <a:pos x="connsiteX10" y="connsiteY10"/>
+              </a:cxn>
+              <a:cxn ang="0">
+                <a:pos x="connsiteX11" y="connsiteY11"/>
+              </a:cxn>
+              <a:cxn ang="0">
+                <a:pos x="connsiteX12" y="connsiteY12"/>
+              </a:cxn>
+              <a:cxn ang="0">
+                <a:pos x="connsiteX13" y="connsiteY13"/>
+              </a:cxn>
+            </a:cxnLst>
+            <a:rect l="l" t="t" r="r" b="b"/>
+            <a:pathLst>
+              <a:path w="900000" h="579383" extrusionOk="0">
+                <a:moveTo>
+                  <a:pt x="0" y="579383"/>
+                </a:moveTo>
+                <a:cubicBezTo>
+                  <a:pt x="37813" y="568374"/>
+                  <a:pt x="86605" y="557325"/>
+                  <a:pt x="124363" y="531593"/>
+                </a:cubicBezTo>
+                <a:cubicBezTo>
+                  <a:pt x="158906" y="508409"/>
+                  <a:pt x="182738" y="473110"/>
+                  <a:pt x="202909" y="436014"/>
+                </a:cubicBezTo>
+                <a:cubicBezTo>
+                  <a:pt x="226105" y="396104"/>
+                  <a:pt x="255069" y="339407"/>
+                  <a:pt x="274909" y="292646"/>
+                </a:cubicBezTo>
+                <a:cubicBezTo>
+                  <a:pt x="297400" y="243484"/>
+                  <a:pt x="323764" y="192505"/>
+                  <a:pt x="340363" y="149277"/>
+                </a:cubicBezTo>
+                <a:cubicBezTo>
+                  <a:pt x="357870" y="107308"/>
+                  <a:pt x="368995" y="64504"/>
+                  <a:pt x="386181" y="44140"/>
+                </a:cubicBezTo>
+                <a:cubicBezTo>
+                  <a:pt x="402828" y="16908"/>
+                  <a:pt x="424061" y="9245"/>
+                  <a:pt x="441818" y="2723"/>
+                </a:cubicBezTo>
+                <a:cubicBezTo>
+                  <a:pt x="460470" y="-1792"/>
+                  <a:pt x="470897" y="-3237"/>
+                  <a:pt x="490909" y="18652"/>
+                </a:cubicBezTo>
+                <a:cubicBezTo>
+                  <a:pt x="506507" y="33596"/>
+                  <a:pt x="535724" y="91280"/>
+                  <a:pt x="566181" y="136533"/>
+                </a:cubicBezTo>
+                <a:cubicBezTo>
+                  <a:pt x="584384" y="178259"/>
+                  <a:pt x="603953" y="249286"/>
+                  <a:pt x="618545" y="295831"/>
+                </a:cubicBezTo>
+                <a:cubicBezTo>
+                  <a:pt x="634537" y="337143"/>
+                  <a:pt x="669110" y="383889"/>
+                  <a:pt x="687272" y="426456"/>
+                </a:cubicBezTo>
+                <a:cubicBezTo>
+                  <a:pt x="719256" y="467676"/>
+                  <a:pt x="753094" y="520824"/>
+                  <a:pt x="778909" y="537965"/>
+                </a:cubicBezTo>
+                <a:cubicBezTo>
+                  <a:pt x="805117" y="559209"/>
+                  <a:pt x="819522" y="553552"/>
+                  <a:pt x="837817" y="560267"/>
+                </a:cubicBezTo>
+                <a:cubicBezTo>
+                  <a:pt x="857687" y="562135"/>
+                  <a:pt x="878250" y="573531"/>
+                  <a:pt x="900000" y="573010"/>
+                </a:cubicBezTo>
+              </a:path>
+            </a:pathLst>
+          </a:custGeom>
+          <a:noFill/>
+          <a:ln w="19050">
+            <a:solidFill>
+              <a:schemeClr val="tx1"/>
+            </a:solidFill>
+            <a:extLst>
+              <a:ext uri="{C807C97D-BFC1-408E-A445-0C87EB9F89A2}">
+                <ask:lineSketchStyleProps xmlns:ask="http://schemas.microsoft.com/office/drawing/2018/sketchyshapes" sd="3705000160">
+                  <a:custGeom>
+                    <a:avLst/>
+                    <a:gdLst>
+                      <a:gd name="connsiteX0" fmla="*/ 0 w 2167759"/>
+                      <a:gd name="connsiteY0" fmla="*/ 1433517 h 1433517"/>
+                      <a:gd name="connsiteX1" fmla="*/ 299545 w 2167759"/>
+                      <a:gd name="connsiteY1" fmla="*/ 1315276 h 1433517"/>
+                      <a:gd name="connsiteX2" fmla="*/ 488731 w 2167759"/>
+                      <a:gd name="connsiteY2" fmla="*/ 1078793 h 1433517"/>
+                      <a:gd name="connsiteX3" fmla="*/ 662152 w 2167759"/>
+                      <a:gd name="connsiteY3" fmla="*/ 724069 h 1433517"/>
+                      <a:gd name="connsiteX4" fmla="*/ 819807 w 2167759"/>
+                      <a:gd name="connsiteY4" fmla="*/ 369344 h 1433517"/>
+                      <a:gd name="connsiteX5" fmla="*/ 930166 w 2167759"/>
+                      <a:gd name="connsiteY5" fmla="*/ 109213 h 1433517"/>
+                      <a:gd name="connsiteX6" fmla="*/ 1064173 w 2167759"/>
+                      <a:gd name="connsiteY6" fmla="*/ 6738 h 1433517"/>
+                      <a:gd name="connsiteX7" fmla="*/ 1182414 w 2167759"/>
+                      <a:gd name="connsiteY7" fmla="*/ 46151 h 1433517"/>
+                      <a:gd name="connsiteX8" fmla="*/ 1363717 w 2167759"/>
+                      <a:gd name="connsiteY8" fmla="*/ 337813 h 1433517"/>
+                      <a:gd name="connsiteX9" fmla="*/ 1489841 w 2167759"/>
+                      <a:gd name="connsiteY9" fmla="*/ 731951 h 1433517"/>
+                      <a:gd name="connsiteX10" fmla="*/ 1655379 w 2167759"/>
+                      <a:gd name="connsiteY10" fmla="*/ 1055144 h 1433517"/>
+                      <a:gd name="connsiteX11" fmla="*/ 1876097 w 2167759"/>
+                      <a:gd name="connsiteY11" fmla="*/ 1331041 h 1433517"/>
+                      <a:gd name="connsiteX12" fmla="*/ 2017986 w 2167759"/>
+                      <a:gd name="connsiteY12" fmla="*/ 1386220 h 1433517"/>
+                      <a:gd name="connsiteX13" fmla="*/ 2167759 w 2167759"/>
+                      <a:gd name="connsiteY13" fmla="*/ 1417751 h 1433517"/>
+                    </a:gdLst>
+                    <a:ahLst/>
+                    <a:cxnLst>
+                      <a:cxn ang="0">
+                        <a:pos x="connsiteX0" y="connsiteY0"/>
+                      </a:cxn>
+                      <a:cxn ang="0">
+                        <a:pos x="connsiteX1" y="connsiteY1"/>
+                      </a:cxn>
+                      <a:cxn ang="0">
+                        <a:pos x="connsiteX2" y="connsiteY2"/>
+                      </a:cxn>
+                      <a:cxn ang="0">
+                        <a:pos x="connsiteX3" y="connsiteY3"/>
+                      </a:cxn>
+                      <a:cxn ang="0">
+                        <a:pos x="connsiteX4" y="connsiteY4"/>
+                      </a:cxn>
+                      <a:cxn ang="0">
+                        <a:pos x="connsiteX5" y="connsiteY5"/>
+                      </a:cxn>
+                      <a:cxn ang="0">
+                        <a:pos x="connsiteX6" y="connsiteY6"/>
+                      </a:cxn>
+                      <a:cxn ang="0">
+                        <a:pos x="connsiteX7" y="connsiteY7"/>
+                      </a:cxn>
+                      <a:cxn ang="0">
+                        <a:pos x="connsiteX8" y="connsiteY8"/>
+                      </a:cxn>
+                      <a:cxn ang="0">
+                        <a:pos x="connsiteX9" y="connsiteY9"/>
+                      </a:cxn>
+                      <a:cxn ang="0">
+                        <a:pos x="connsiteX10" y="connsiteY10"/>
+                      </a:cxn>
+                      <a:cxn ang="0">
+                        <a:pos x="connsiteX11" y="connsiteY11"/>
+                      </a:cxn>
+                      <a:cxn ang="0">
+                        <a:pos x="connsiteX12" y="connsiteY12"/>
+                      </a:cxn>
+                      <a:cxn ang="0">
+                        <a:pos x="connsiteX13" y="connsiteY13"/>
+                      </a:cxn>
+                    </a:cxnLst>
+                    <a:rect l="l" t="t" r="r" b="b"/>
+                    <a:pathLst>
+                      <a:path w="2167759" h="1433517">
+                        <a:moveTo>
+                          <a:pt x="0" y="1433517"/>
+                        </a:moveTo>
+                        <a:cubicBezTo>
+                          <a:pt x="109045" y="1403957"/>
+                          <a:pt x="218090" y="1374397"/>
+                          <a:pt x="299545" y="1315276"/>
+                        </a:cubicBezTo>
+                        <a:cubicBezTo>
+                          <a:pt x="381000" y="1256155"/>
+                          <a:pt x="428297" y="1177327"/>
+                          <a:pt x="488731" y="1078793"/>
+                        </a:cubicBezTo>
+                        <a:cubicBezTo>
+                          <a:pt x="549165" y="980259"/>
+                          <a:pt x="606973" y="842310"/>
+                          <a:pt x="662152" y="724069"/>
+                        </a:cubicBezTo>
+                        <a:cubicBezTo>
+                          <a:pt x="717331" y="605828"/>
+                          <a:pt x="775138" y="471820"/>
+                          <a:pt x="819807" y="369344"/>
+                        </a:cubicBezTo>
+                        <a:cubicBezTo>
+                          <a:pt x="864476" y="266868"/>
+                          <a:pt x="889438" y="169647"/>
+                          <a:pt x="930166" y="109213"/>
+                        </a:cubicBezTo>
+                        <a:cubicBezTo>
+                          <a:pt x="970894" y="48779"/>
+                          <a:pt x="1022132" y="17248"/>
+                          <a:pt x="1064173" y="6738"/>
+                        </a:cubicBezTo>
+                        <a:cubicBezTo>
+                          <a:pt x="1106214" y="-3772"/>
+                          <a:pt x="1132490" y="-9028"/>
+                          <a:pt x="1182414" y="46151"/>
+                        </a:cubicBezTo>
+                        <a:cubicBezTo>
+                          <a:pt x="1232338" y="101330"/>
+                          <a:pt x="1312479" y="223513"/>
+                          <a:pt x="1363717" y="337813"/>
+                        </a:cubicBezTo>
+                        <a:cubicBezTo>
+                          <a:pt x="1414955" y="452113"/>
+                          <a:pt x="1441231" y="612396"/>
+                          <a:pt x="1489841" y="731951"/>
+                        </a:cubicBezTo>
+                        <a:cubicBezTo>
+                          <a:pt x="1538451" y="851506"/>
+                          <a:pt x="1591003" y="955296"/>
+                          <a:pt x="1655379" y="1055144"/>
+                        </a:cubicBezTo>
+                        <a:cubicBezTo>
+                          <a:pt x="1719755" y="1154992"/>
+                          <a:pt x="1815663" y="1275862"/>
+                          <a:pt x="1876097" y="1331041"/>
+                        </a:cubicBezTo>
+                        <a:cubicBezTo>
+                          <a:pt x="1936532" y="1386220"/>
+                          <a:pt x="1969376" y="1371768"/>
+                          <a:pt x="2017986" y="1386220"/>
+                        </a:cubicBezTo>
+                        <a:cubicBezTo>
+                          <a:pt x="2066596" y="1400672"/>
+                          <a:pt x="2117177" y="1409211"/>
+                          <a:pt x="2167759" y="1417751"/>
+                        </a:cubicBezTo>
+                      </a:path>
+                    </a:pathLst>
+                  </a:custGeom>
+                  <ask:type>
+                    <ask:lineSketchCurved/>
+                  </ask:type>
+                </ask:lineSketchStyleProps>
+              </a:ext>
+            </a:extLst>
+          </a:ln>
+        </p:spPr>
+        <p:style>
+          <a:lnRef idx="2">
+            <a:schemeClr val="accent1">
+              <a:shade val="50000"/>
+            </a:schemeClr>
+          </a:lnRef>
+          <a:fillRef idx="1">
+            <a:schemeClr val="accent1"/>
+          </a:fillRef>
+          <a:effectRef idx="0">
+            <a:schemeClr val="accent1"/>
+          </a:effectRef>
+          <a:fontRef idx="minor">
+            <a:schemeClr val="lt1"/>
+          </a:fontRef>
+        </p:style>
+        <p:txBody>
+          <a:bodyPr rtlCol="0" anchor="ctr"/>
+          <a:lstStyle/>
+          <a:p>
+            <a:pPr algn="ctr"/>
+            <a:endParaRPr lang="ko-KR" altLang="en-US"/>
+          </a:p>
+        </p:txBody>
+      </p:sp>
+      <p:sp>
+        <p:nvSpPr>
+          <p:cNvPr id="18" name="자유형: 도형 17">
+            <a:extLst>
+              <a:ext uri="{FF2B5EF4-FFF2-40B4-BE49-F238E27FC236}">
+                <a16:creationId xmlns:a16="http://schemas.microsoft.com/office/drawing/2014/main" id="{BD4877E9-3974-49CA-A861-A01612A21035}"/>
+              </a:ext>
+            </a:extLst>
+          </p:cNvPr>
+          <p:cNvSpPr/>
+          <p:nvPr/>
+        </p:nvSpPr>
+        <p:spPr>
+          <a:xfrm>
+            <a:off x="4657932" y="1515847"/>
+            <a:ext cx="540000" cy="579383"/>
+          </a:xfrm>
+          <a:custGeom>
+            <a:avLst/>
+            <a:gdLst>
+              <a:gd name="connsiteX0" fmla="*/ 0 w 540000"/>
+              <a:gd name="connsiteY0" fmla="*/ 579383 h 579383"/>
+              <a:gd name="connsiteX1" fmla="*/ 74618 w 540000"/>
+              <a:gd name="connsiteY1" fmla="*/ 531593 h 579383"/>
+              <a:gd name="connsiteX2" fmla="*/ 121745 w 540000"/>
+              <a:gd name="connsiteY2" fmla="*/ 436014 h 579383"/>
+              <a:gd name="connsiteX3" fmla="*/ 164945 w 540000"/>
+              <a:gd name="connsiteY3" fmla="*/ 292646 h 579383"/>
+              <a:gd name="connsiteX4" fmla="*/ 204218 w 540000"/>
+              <a:gd name="connsiteY4" fmla="*/ 149277 h 579383"/>
+              <a:gd name="connsiteX5" fmla="*/ 231709 w 540000"/>
+              <a:gd name="connsiteY5" fmla="*/ 44140 h 579383"/>
+              <a:gd name="connsiteX6" fmla="*/ 265091 w 540000"/>
+              <a:gd name="connsiteY6" fmla="*/ 2723 h 579383"/>
+              <a:gd name="connsiteX7" fmla="*/ 294545 w 540000"/>
+              <a:gd name="connsiteY7" fmla="*/ 18652 h 579383"/>
+              <a:gd name="connsiteX8" fmla="*/ 339708 w 540000"/>
+              <a:gd name="connsiteY8" fmla="*/ 136533 h 579383"/>
+              <a:gd name="connsiteX9" fmla="*/ 371127 w 540000"/>
+              <a:gd name="connsiteY9" fmla="*/ 295831 h 579383"/>
+              <a:gd name="connsiteX10" fmla="*/ 412363 w 540000"/>
+              <a:gd name="connsiteY10" fmla="*/ 426456 h 579383"/>
+              <a:gd name="connsiteX11" fmla="*/ 467345 w 540000"/>
+              <a:gd name="connsiteY11" fmla="*/ 537965 h 579383"/>
+              <a:gd name="connsiteX12" fmla="*/ 502690 w 540000"/>
+              <a:gd name="connsiteY12" fmla="*/ 560267 h 579383"/>
+              <a:gd name="connsiteX13" fmla="*/ 540000 w 540000"/>
+              <a:gd name="connsiteY13" fmla="*/ 573010 h 579383"/>
+            </a:gdLst>
+            <a:ahLst/>
+            <a:cxnLst>
+              <a:cxn ang="0">
+                <a:pos x="connsiteX0" y="connsiteY0"/>
+              </a:cxn>
+              <a:cxn ang="0">
+                <a:pos x="connsiteX1" y="connsiteY1"/>
+              </a:cxn>
+              <a:cxn ang="0">
+                <a:pos x="connsiteX2" y="connsiteY2"/>
+              </a:cxn>
+              <a:cxn ang="0">
+                <a:pos x="connsiteX3" y="connsiteY3"/>
+              </a:cxn>
+              <a:cxn ang="0">
+                <a:pos x="connsiteX4" y="connsiteY4"/>
+              </a:cxn>
+              <a:cxn ang="0">
+                <a:pos x="connsiteX5" y="connsiteY5"/>
+              </a:cxn>
+              <a:cxn ang="0">
+                <a:pos x="connsiteX6" y="connsiteY6"/>
+              </a:cxn>
+              <a:cxn ang="0">
+                <a:pos x="connsiteX7" y="connsiteY7"/>
+              </a:cxn>
+              <a:cxn ang="0">
+                <a:pos x="connsiteX8" y="connsiteY8"/>
+              </a:cxn>
+              <a:cxn ang="0">
+                <a:pos x="connsiteX9" y="connsiteY9"/>
+              </a:cxn>
+              <a:cxn ang="0">
+                <a:pos x="connsiteX10" y="connsiteY10"/>
+              </a:cxn>
+              <a:cxn ang="0">
+                <a:pos x="connsiteX11" y="connsiteY11"/>
+              </a:cxn>
+              <a:cxn ang="0">
+                <a:pos x="connsiteX12" y="connsiteY12"/>
+              </a:cxn>
+              <a:cxn ang="0">
+                <a:pos x="connsiteX13" y="connsiteY13"/>
+              </a:cxn>
+            </a:cxnLst>
+            <a:rect l="l" t="t" r="r" b="b"/>
+            <a:pathLst>
+              <a:path w="540000" h="579383" extrusionOk="0">
+                <a:moveTo>
+                  <a:pt x="0" y="579383"/>
+                </a:moveTo>
+                <a:cubicBezTo>
+                  <a:pt x="23595" y="567884"/>
+                  <a:pt x="50403" y="557317"/>
+                  <a:pt x="74618" y="531593"/>
+                </a:cubicBezTo>
+                <a:cubicBezTo>
+                  <a:pt x="99320" y="512024"/>
+                  <a:pt x="107476" y="475402"/>
+                  <a:pt x="121745" y="436014"/>
+                </a:cubicBezTo>
+                <a:cubicBezTo>
+                  <a:pt x="128885" y="395830"/>
+                  <a:pt x="153808" y="339561"/>
+                  <a:pt x="164945" y="292646"/>
+                </a:cubicBezTo>
+                <a:cubicBezTo>
+                  <a:pt x="176718" y="238377"/>
+                  <a:pt x="198554" y="195779"/>
+                  <a:pt x="204218" y="149277"/>
+                </a:cubicBezTo>
+                <a:cubicBezTo>
+                  <a:pt x="211537" y="105840"/>
+                  <a:pt x="221450" y="66903"/>
+                  <a:pt x="231709" y="44140"/>
+                </a:cubicBezTo>
+                <a:cubicBezTo>
+                  <a:pt x="241762" y="18729"/>
+                  <a:pt x="254527" y="7653"/>
+                  <a:pt x="265091" y="2723"/>
+                </a:cubicBezTo>
+                <a:cubicBezTo>
+                  <a:pt x="276678" y="-1774"/>
+                  <a:pt x="282208" y="-3592"/>
+                  <a:pt x="294545" y="18652"/>
+                </a:cubicBezTo>
+                <a:cubicBezTo>
+                  <a:pt x="305700" y="39117"/>
+                  <a:pt x="322597" y="90783"/>
+                  <a:pt x="339708" y="136533"/>
+                </a:cubicBezTo>
+                <a:cubicBezTo>
+                  <a:pt x="349827" y="178878"/>
+                  <a:pt x="367839" y="250311"/>
+                  <a:pt x="371127" y="295831"/>
+                </a:cubicBezTo>
+                <a:cubicBezTo>
+                  <a:pt x="381698" y="341578"/>
+                  <a:pt x="400058" y="385137"/>
+                  <a:pt x="412363" y="426456"/>
+                </a:cubicBezTo>
+                <a:cubicBezTo>
+                  <a:pt x="433105" y="467585"/>
+                  <a:pt x="452112" y="516941"/>
+                  <a:pt x="467345" y="537965"/>
+                </a:cubicBezTo>
+                <a:cubicBezTo>
+                  <a:pt x="482827" y="559863"/>
+                  <a:pt x="491863" y="553831"/>
+                  <a:pt x="502690" y="560267"/>
+                </a:cubicBezTo>
+                <a:cubicBezTo>
+                  <a:pt x="514649" y="564203"/>
+                  <a:pt x="527287" y="570155"/>
+                  <a:pt x="540000" y="573010"/>
+                </a:cubicBezTo>
+              </a:path>
+            </a:pathLst>
+          </a:custGeom>
+          <a:noFill/>
+          <a:ln w="19050">
+            <a:solidFill>
+              <a:srgbClr val="FF0000"/>
+            </a:solidFill>
+            <a:extLst>
+              <a:ext uri="{C807C97D-BFC1-408E-A445-0C87EB9F89A2}">
+                <ask:lineSketchStyleProps xmlns:ask="http://schemas.microsoft.com/office/drawing/2018/sketchyshapes" sd="3705000160">
+                  <a:custGeom>
+                    <a:avLst/>
+                    <a:gdLst>
+                      <a:gd name="connsiteX0" fmla="*/ 0 w 2167759"/>
+                      <a:gd name="connsiteY0" fmla="*/ 1433517 h 1433517"/>
+                      <a:gd name="connsiteX1" fmla="*/ 299545 w 2167759"/>
+                      <a:gd name="connsiteY1" fmla="*/ 1315276 h 1433517"/>
+                      <a:gd name="connsiteX2" fmla="*/ 488731 w 2167759"/>
+                      <a:gd name="connsiteY2" fmla="*/ 1078793 h 1433517"/>
+                      <a:gd name="connsiteX3" fmla="*/ 662152 w 2167759"/>
+                      <a:gd name="connsiteY3" fmla="*/ 724069 h 1433517"/>
+                      <a:gd name="connsiteX4" fmla="*/ 819807 w 2167759"/>
+                      <a:gd name="connsiteY4" fmla="*/ 369344 h 1433517"/>
+                      <a:gd name="connsiteX5" fmla="*/ 930166 w 2167759"/>
+                      <a:gd name="connsiteY5" fmla="*/ 109213 h 1433517"/>
+                      <a:gd name="connsiteX6" fmla="*/ 1064173 w 2167759"/>
+                      <a:gd name="connsiteY6" fmla="*/ 6738 h 1433517"/>
+                      <a:gd name="connsiteX7" fmla="*/ 1182414 w 2167759"/>
+                      <a:gd name="connsiteY7" fmla="*/ 46151 h 1433517"/>
+                      <a:gd name="connsiteX8" fmla="*/ 1363717 w 2167759"/>
+                      <a:gd name="connsiteY8" fmla="*/ 337813 h 1433517"/>
+                      <a:gd name="connsiteX9" fmla="*/ 1489841 w 2167759"/>
+                      <a:gd name="connsiteY9" fmla="*/ 731951 h 1433517"/>
+                      <a:gd name="connsiteX10" fmla="*/ 1655379 w 2167759"/>
+                      <a:gd name="connsiteY10" fmla="*/ 1055144 h 1433517"/>
+                      <a:gd name="connsiteX11" fmla="*/ 1876097 w 2167759"/>
+                      <a:gd name="connsiteY11" fmla="*/ 1331041 h 1433517"/>
+                      <a:gd name="connsiteX12" fmla="*/ 2017986 w 2167759"/>
+                      <a:gd name="connsiteY12" fmla="*/ 1386220 h 1433517"/>
+                      <a:gd name="connsiteX13" fmla="*/ 2167759 w 2167759"/>
+                      <a:gd name="connsiteY13" fmla="*/ 1417751 h 1433517"/>
+                    </a:gdLst>
+                    <a:ahLst/>
+                    <a:cxnLst>
+                      <a:cxn ang="0">
+                        <a:pos x="connsiteX0" y="connsiteY0"/>
+                      </a:cxn>
+                      <a:cxn ang="0">
+                        <a:pos x="connsiteX1" y="connsiteY1"/>
+                      </a:cxn>
+                      <a:cxn ang="0">
+                        <a:pos x="connsiteX2" y="connsiteY2"/>
+                      </a:cxn>
+                      <a:cxn ang="0">
+                        <a:pos x="connsiteX3" y="connsiteY3"/>
+                      </a:cxn>
+                      <a:cxn ang="0">
+                        <a:pos x="connsiteX4" y="connsiteY4"/>
+                      </a:cxn>
+                      <a:cxn ang="0">
+                        <a:pos x="connsiteX5" y="connsiteY5"/>
+                      </a:cxn>
+                      <a:cxn ang="0">
+                        <a:pos x="connsiteX6" y="connsiteY6"/>
+                      </a:cxn>
+                      <a:cxn ang="0">
+                        <a:pos x="connsiteX7" y="connsiteY7"/>
+                      </a:cxn>
+                      <a:cxn ang="0">
+                        <a:pos x="connsiteX8" y="connsiteY8"/>
+                      </a:cxn>
+                      <a:cxn ang="0">
+                        <a:pos x="connsiteX9" y="connsiteY9"/>
+                      </a:cxn>
+                      <a:cxn ang="0">
+                        <a:pos x="connsiteX10" y="connsiteY10"/>
+                      </a:cxn>
+                      <a:cxn ang="0">
+                        <a:pos x="connsiteX11" y="connsiteY11"/>
+                      </a:cxn>
+                      <a:cxn ang="0">
+                        <a:pos x="connsiteX12" y="connsiteY12"/>
+                      </a:cxn>
+                      <a:cxn ang="0">
+                        <a:pos x="connsiteX13" y="connsiteY13"/>
+                      </a:cxn>
+                    </a:cxnLst>
+                    <a:rect l="l" t="t" r="r" b="b"/>
+                    <a:pathLst>
+                      <a:path w="2167759" h="1433517">
+                        <a:moveTo>
+                          <a:pt x="0" y="1433517"/>
+                        </a:moveTo>
+                        <a:cubicBezTo>
+                          <a:pt x="109045" y="1403957"/>
+                          <a:pt x="218090" y="1374397"/>
+                          <a:pt x="299545" y="1315276"/>
+                        </a:cubicBezTo>
+                        <a:cubicBezTo>
+                          <a:pt x="381000" y="1256155"/>
+                          <a:pt x="428297" y="1177327"/>
+                          <a:pt x="488731" y="1078793"/>
+                        </a:cubicBezTo>
+                        <a:cubicBezTo>
+                          <a:pt x="549165" y="980259"/>
+                          <a:pt x="606973" y="842310"/>
+                          <a:pt x="662152" y="724069"/>
+                        </a:cubicBezTo>
+                        <a:cubicBezTo>
+                          <a:pt x="717331" y="605828"/>
+                          <a:pt x="775138" y="471820"/>
+                          <a:pt x="819807" y="369344"/>
+                        </a:cubicBezTo>
+                        <a:cubicBezTo>
+                          <a:pt x="864476" y="266868"/>
+                          <a:pt x="889438" y="169647"/>
+                          <a:pt x="930166" y="109213"/>
+                        </a:cubicBezTo>
+                        <a:cubicBezTo>
+                          <a:pt x="970894" y="48779"/>
+                          <a:pt x="1022132" y="17248"/>
+                          <a:pt x="1064173" y="6738"/>
+                        </a:cubicBezTo>
+                        <a:cubicBezTo>
+                          <a:pt x="1106214" y="-3772"/>
+                          <a:pt x="1132490" y="-9028"/>
+                          <a:pt x="1182414" y="46151"/>
+                        </a:cubicBezTo>
+                        <a:cubicBezTo>
+                          <a:pt x="1232338" y="101330"/>
+                          <a:pt x="1312479" y="223513"/>
+                          <a:pt x="1363717" y="337813"/>
+                        </a:cubicBezTo>
+                        <a:cubicBezTo>
+                          <a:pt x="1414955" y="452113"/>
+                          <a:pt x="1441231" y="612396"/>
+                          <a:pt x="1489841" y="731951"/>
+                        </a:cubicBezTo>
+                        <a:cubicBezTo>
+                          <a:pt x="1538451" y="851506"/>
+                          <a:pt x="1591003" y="955296"/>
+                          <a:pt x="1655379" y="1055144"/>
+                        </a:cubicBezTo>
+                        <a:cubicBezTo>
+                          <a:pt x="1719755" y="1154992"/>
+                          <a:pt x="1815663" y="1275862"/>
+                          <a:pt x="1876097" y="1331041"/>
+                        </a:cubicBezTo>
+                        <a:cubicBezTo>
+                          <a:pt x="1936532" y="1386220"/>
+                          <a:pt x="1969376" y="1371768"/>
+                          <a:pt x="2017986" y="1386220"/>
+                        </a:cubicBezTo>
+                        <a:cubicBezTo>
+                          <a:pt x="2066596" y="1400672"/>
+                          <a:pt x="2117177" y="1409211"/>
+                          <a:pt x="2167759" y="1417751"/>
+                        </a:cubicBezTo>
+                      </a:path>
+                    </a:pathLst>
+                  </a:custGeom>
+                  <ask:type>
+                    <ask:lineSketchCurved/>
+                  </ask:type>
+                </ask:lineSketchStyleProps>
+              </a:ext>
+            </a:extLst>
+          </a:ln>
+        </p:spPr>
+        <p:style>
+          <a:lnRef idx="2">
+            <a:schemeClr val="accent1">
+              <a:shade val="50000"/>
+            </a:schemeClr>
+          </a:lnRef>
+          <a:fillRef idx="1">
+            <a:schemeClr val="accent1"/>
+          </a:fillRef>
+          <a:effectRef idx="0">
+            <a:schemeClr val="accent1"/>
+          </a:effectRef>
+          <a:fontRef idx="minor">
+            <a:schemeClr val="lt1"/>
+          </a:fontRef>
+        </p:style>
+        <p:txBody>
+          <a:bodyPr rtlCol="0" anchor="ctr"/>
+          <a:lstStyle/>
+          <a:p>
+            <a:pPr algn="ctr"/>
+            <a:endParaRPr lang="ko-KR" altLang="en-US"/>
+          </a:p>
+        </p:txBody>
+      </p:sp>
+    </p:spTree>
+    <p:extLst>
+      <p:ext uri="{BB962C8B-B14F-4D97-AF65-F5344CB8AC3E}">
+        <p14:creationId xmlns:p14="http://schemas.microsoft.com/office/powerpoint/2010/main" val="3001559723"/>
+      </p:ext>
+    </p:extLst>
+  </p:cSld>
+  <p:clrMapOvr>
+    <a:masterClrMapping/>
+  </p:clrMapOvr>
+</p:sld>
+</file>
+
+<file path=ppt/slides/slide6.xml><?xml version="1.0" encoding="utf-8"?>
+<p:sld xmlns:a="http://schemas.openxmlformats.org/drawingml/2006/main" xmlns:r="http://schemas.openxmlformats.org/officeDocument/2006/relationships" xmlns:p="http://schemas.openxmlformats.org/presentationml/2006/main">
+  <p:cSld>
+    <p:spTree>
+      <p:nvGrpSpPr>
+        <p:cNvPr id="1" name=""/>
+        <p:cNvGrpSpPr/>
+        <p:nvPr/>
+      </p:nvGrpSpPr>
+      <p:grpSpPr>
+        <a:xfrm>
+          <a:off x="0" y="0"/>
+          <a:ext cx="0" cy="0"/>
+          <a:chOff x="0" y="0"/>
+          <a:chExt cx="0" cy="0"/>
+        </a:xfrm>
+      </p:grpSpPr>
+      <p:sp>
+        <p:nvSpPr>
+          <p:cNvPr id="4" name="TextBox 3">
+            <a:extLst>
+              <a:ext uri="{FF2B5EF4-FFF2-40B4-BE49-F238E27FC236}">
+                <a16:creationId xmlns:a16="http://schemas.microsoft.com/office/drawing/2014/main" id="{E4749719-F275-4FAD-BC33-6CE049C13C2F}"/>
+              </a:ext>
+            </a:extLst>
+          </p:cNvPr>
+          <p:cNvSpPr txBox="1"/>
+          <p:nvPr/>
+        </p:nvSpPr>
+        <p:spPr>
+          <a:xfrm>
+            <a:off x="349466" y="559779"/>
+            <a:ext cx="5760000" cy="1046440"/>
+          </a:xfrm>
+          <a:prstGeom prst="rect">
+            <a:avLst/>
+          </a:prstGeom>
+          <a:noFill/>
+        </p:spPr>
+        <p:txBody>
+          <a:bodyPr wrap="square" rtlCol="0">
+            <a:spAutoFit/>
+          </a:bodyPr>
+          <a:lstStyle/>
+          <a:p>
+            <a:pPr marL="285750" indent="-285750">
+              <a:spcBef>
+                <a:spcPts val="600"/>
+              </a:spcBef>
+              <a:spcAft>
+                <a:spcPts val="600"/>
+              </a:spcAft>
+              <a:buFont typeface="Wingdings" panose="05000000000000000000" pitchFamily="2" charset="2"/>
+              <a:buChar char="§"/>
+            </a:pPr>
+            <a:r>
+              <a:rPr lang="ko-KR" altLang="en-US" sz="1400" b="1" dirty="0">
+                <a:solidFill>
+                  <a:srgbClr val="C00000"/>
+                </a:solidFill>
+                <a:sym typeface="Wingdings" panose="05000000000000000000" pitchFamily="2" charset="2"/>
+              </a:rPr>
+              <a:t>복잡도</a:t>
+            </a:r>
+            <a:endParaRPr lang="en-US" altLang="ko-KR" sz="1400" b="1" dirty="0">
+              <a:solidFill>
+                <a:srgbClr val="C00000"/>
+              </a:solidFill>
+              <a:sym typeface="Wingdings" panose="05000000000000000000" pitchFamily="2" charset="2"/>
+            </a:endParaRPr>
+          </a:p>
+          <a:p>
+            <a:pPr marL="742950" lvl="1" indent="-285750">
+              <a:spcBef>
+                <a:spcPts val="600"/>
+              </a:spcBef>
+              <a:spcAft>
+                <a:spcPts val="600"/>
+              </a:spcAft>
+              <a:buFontTx/>
+              <a:buChar char="-"/>
+            </a:pPr>
+            <a:r>
+              <a:rPr lang="en-US" altLang="ko-KR" sz="1400" dirty="0">
+                <a:sym typeface="Wingdings" panose="05000000000000000000" pitchFamily="2" charset="2"/>
+              </a:rPr>
+              <a:t>m : </a:t>
+            </a:r>
+            <a:r>
+              <a:rPr lang="ko-KR" altLang="en-US" sz="1400" dirty="0">
+                <a:sym typeface="Wingdings" panose="05000000000000000000" pitchFamily="2" charset="2"/>
+              </a:rPr>
+              <a:t>훈련 샘플 수</a:t>
+            </a:r>
+            <a:endParaRPr lang="en-US" altLang="ko-KR" sz="1400" dirty="0">
+              <a:sym typeface="Wingdings" panose="05000000000000000000" pitchFamily="2" charset="2"/>
+            </a:endParaRPr>
+          </a:p>
+          <a:p>
+            <a:pPr marL="742950" lvl="1" indent="-285750">
+              <a:spcBef>
+                <a:spcPts val="600"/>
+              </a:spcBef>
+              <a:spcAft>
+                <a:spcPts val="600"/>
+              </a:spcAft>
+              <a:buFontTx/>
+              <a:buChar char="-"/>
+            </a:pPr>
+            <a:r>
+              <a:rPr lang="en-US" altLang="ko-KR" sz="1400" dirty="0">
+                <a:sym typeface="Wingdings" panose="05000000000000000000" pitchFamily="2" charset="2"/>
+              </a:rPr>
+              <a:t>n : </a:t>
+            </a:r>
+            <a:r>
+              <a:rPr lang="ko-KR" altLang="en-US" sz="1400" dirty="0">
+                <a:sym typeface="Wingdings" panose="05000000000000000000" pitchFamily="2" charset="2"/>
+              </a:rPr>
+              <a:t>특성 수</a:t>
+            </a:r>
+            <a:endParaRPr lang="en-US" altLang="ko-KR" sz="1400" dirty="0">
+              <a:sym typeface="Wingdings" panose="05000000000000000000" pitchFamily="2" charset="2"/>
+            </a:endParaRPr>
+          </a:p>
+        </p:txBody>
+      </p:sp>
+      <p:pic>
+        <p:nvPicPr>
+          <p:cNvPr id="6" name="그림 5">
+            <a:extLst>
+              <a:ext uri="{FF2B5EF4-FFF2-40B4-BE49-F238E27FC236}">
+                <a16:creationId xmlns:a16="http://schemas.microsoft.com/office/drawing/2014/main" id="{D6412B00-F82C-4150-B44D-78EBA1DA3C5A}"/>
+              </a:ext>
+            </a:extLst>
+          </p:cNvPr>
+          <p:cNvPicPr>
+            <a:picLocks noChangeAspect="1"/>
+          </p:cNvPicPr>
+          <p:nvPr/>
+        </p:nvPicPr>
+        <p:blipFill>
+          <a:blip r:embed="rId2"/>
+          <a:stretch>
+            <a:fillRect/>
+          </a:stretch>
+        </p:blipFill>
+        <p:spPr>
+          <a:xfrm>
+            <a:off x="2496000" y="1783476"/>
+            <a:ext cx="7200000" cy="1280633"/>
+          </a:xfrm>
+          <a:prstGeom prst="rect">
+            <a:avLst/>
+          </a:prstGeom>
+        </p:spPr>
+      </p:pic>
+      <p:sp>
+        <p:nvSpPr>
+          <p:cNvPr id="7" name="직사각형 6">
+            <a:extLst>
+              <a:ext uri="{FF2B5EF4-FFF2-40B4-BE49-F238E27FC236}">
+                <a16:creationId xmlns:a16="http://schemas.microsoft.com/office/drawing/2014/main" id="{A86D3404-2A0F-4CBE-86F4-356DACF61C6A}"/>
+              </a:ext>
+            </a:extLst>
+          </p:cNvPr>
+          <p:cNvSpPr/>
+          <p:nvPr/>
+        </p:nvSpPr>
+        <p:spPr>
+          <a:xfrm>
+            <a:off x="2577662" y="2088931"/>
+            <a:ext cx="2104697" cy="275897"/>
+          </a:xfrm>
+          <a:prstGeom prst="rect">
+            <a:avLst/>
+          </a:prstGeom>
+          <a:noFill/>
+          <a:ln w="38100">
+            <a:solidFill>
+              <a:srgbClr val="FF0000"/>
+            </a:solidFill>
+          </a:ln>
+        </p:spPr>
+        <p:style>
+          <a:lnRef idx="2">
+            <a:schemeClr val="accent1">
+              <a:shade val="50000"/>
+            </a:schemeClr>
+          </a:lnRef>
+          <a:fillRef idx="1">
+            <a:schemeClr val="accent1"/>
+          </a:fillRef>
+          <a:effectRef idx="0">
+            <a:schemeClr val="accent1"/>
+          </a:effectRef>
+          <a:fontRef idx="minor">
+            <a:schemeClr val="lt1"/>
+          </a:fontRef>
+        </p:style>
+        <p:txBody>
+          <a:bodyPr rtlCol="0" anchor="ctr"/>
+          <a:lstStyle/>
+          <a:p>
+            <a:pPr algn="ctr"/>
+            <a:endParaRPr lang="ko-KR" altLang="en-US"/>
+          </a:p>
+        </p:txBody>
+      </p:sp>
+      <p:sp>
+        <p:nvSpPr>
+          <p:cNvPr id="8" name="직사각형 7">
+            <a:extLst>
+              <a:ext uri="{FF2B5EF4-FFF2-40B4-BE49-F238E27FC236}">
+                <a16:creationId xmlns:a16="http://schemas.microsoft.com/office/drawing/2014/main" id="{A3EA6D6E-0231-46BC-9135-4EDD0EBEC2C7}"/>
+              </a:ext>
+            </a:extLst>
+          </p:cNvPr>
+          <p:cNvSpPr/>
+          <p:nvPr/>
+        </p:nvSpPr>
+        <p:spPr>
+          <a:xfrm>
+            <a:off x="2577662" y="2670283"/>
+            <a:ext cx="2934138" cy="275897"/>
+          </a:xfrm>
+          <a:prstGeom prst="rect">
+            <a:avLst/>
+          </a:prstGeom>
+          <a:noFill/>
+          <a:ln w="38100">
+            <a:solidFill>
+              <a:srgbClr val="FF0000"/>
+            </a:solidFill>
+          </a:ln>
+        </p:spPr>
+        <p:style>
+          <a:lnRef idx="2">
+            <a:schemeClr val="accent1">
+              <a:shade val="50000"/>
+            </a:schemeClr>
+          </a:lnRef>
+          <a:fillRef idx="1">
+            <a:schemeClr val="accent1"/>
+          </a:fillRef>
+          <a:effectRef idx="0">
+            <a:schemeClr val="accent1"/>
+          </a:effectRef>
+          <a:fontRef idx="minor">
+            <a:schemeClr val="lt1"/>
+          </a:fontRef>
+        </p:style>
+        <p:txBody>
+          <a:bodyPr rtlCol="0" anchor="ctr"/>
+          <a:lstStyle/>
+          <a:p>
+            <a:pPr algn="ctr"/>
+            <a:endParaRPr lang="ko-KR" altLang="en-US"/>
+          </a:p>
+        </p:txBody>
+      </p:sp>
+    </p:spTree>
+    <p:extLst>
+      <p:ext uri="{BB962C8B-B14F-4D97-AF65-F5344CB8AC3E}">
+        <p14:creationId xmlns:p14="http://schemas.microsoft.com/office/powerpoint/2010/main" val="1440962425"/>
       </p:ext>
     </p:extLst>
   </p:cSld>
